--- a/座位检测预约系统_系统设计和数据库设计答辩.pptx
+++ b/座位检测预约系统_系统设计和数据库设计答辩.pptx
@@ -15,18 +15,24 @@
     <p:sldId id="296" r:id="rId9"/>
     <p:sldId id="306" r:id="rId10"/>
     <p:sldId id="288" r:id="rId11"/>
-    <p:sldId id="307" r:id="rId12"/>
-    <p:sldId id="297" r:id="rId13"/>
-    <p:sldId id="289" r:id="rId14"/>
-    <p:sldId id="298" r:id="rId15"/>
-    <p:sldId id="299" r:id="rId16"/>
-    <p:sldId id="290" r:id="rId17"/>
-    <p:sldId id="300" r:id="rId18"/>
-    <p:sldId id="301" r:id="rId19"/>
-    <p:sldId id="302" r:id="rId20"/>
-    <p:sldId id="303" r:id="rId21"/>
-    <p:sldId id="304" r:id="rId22"/>
-    <p:sldId id="286" r:id="rId23"/>
+    <p:sldId id="311" r:id="rId12"/>
+    <p:sldId id="312" r:id="rId13"/>
+    <p:sldId id="313" r:id="rId14"/>
+    <p:sldId id="314" r:id="rId15"/>
+    <p:sldId id="315" r:id="rId16"/>
+    <p:sldId id="289" r:id="rId17"/>
+    <p:sldId id="298" r:id="rId18"/>
+    <p:sldId id="290" r:id="rId19"/>
+    <p:sldId id="300" r:id="rId20"/>
+    <p:sldId id="301" r:id="rId21"/>
+    <p:sldId id="309" r:id="rId22"/>
+    <p:sldId id="310" r:id="rId23"/>
+    <p:sldId id="302" r:id="rId24"/>
+    <p:sldId id="303" r:id="rId25"/>
+    <p:sldId id="308" r:id="rId26"/>
+    <p:sldId id="316" r:id="rId27"/>
+    <p:sldId id="304" r:id="rId28"/>
+    <p:sldId id="286" r:id="rId29"/>
   </p:sldIdLst>
   <p:sldSz cx="12192000" cy="6858000"/>
   <p:notesSz cx="6858000" cy="9144000"/>
@@ -4757,14 +4763,231 @@
           <a:bodyPr/>
           <a:lstStyle/>
           <a:p>
+            <a:r>
+              <a:rPr lang="zh-CN" altLang="en-US"/>
+              <a:t>外部设计</a:t>
+            </a:r>
             <a:endParaRPr lang="zh-CN" altLang="en-US" dirty="0"/>
+          </a:p>
+        </p:txBody>
+      </p:sp>
+      <p:sp>
+        <p:nvSpPr>
+          <p:cNvPr id="3" name="文本框 2"/>
+          <p:cNvSpPr txBox="1"/>
+          <p:nvPr/>
+        </p:nvSpPr>
+        <p:spPr>
+          <a:xfrm>
+            <a:off x="677008" y="1125424"/>
+            <a:ext cx="2136530" cy="461665"/>
+          </a:xfrm>
+          <a:prstGeom prst="rect">
+            <a:avLst/>
+          </a:prstGeom>
+          <a:noFill/>
+        </p:spPr>
+        <p:txBody>
+          <a:bodyPr wrap="square" rtlCol="0">
+            <a:spAutoFit/>
+          </a:bodyPr>
+          <a:lstStyle/>
+          <a:p>
+            <a:r>
+              <a:rPr lang="zh-CN" altLang="en-US" sz="2400"/>
+              <a:t>标识符和状态</a:t>
+            </a:r>
+          </a:p>
+        </p:txBody>
+      </p:sp>
+      <p:sp>
+        <p:nvSpPr>
+          <p:cNvPr id="4" name="文本框 3"/>
+          <p:cNvSpPr txBox="1"/>
+          <p:nvPr/>
+        </p:nvSpPr>
+        <p:spPr>
+          <a:xfrm>
+            <a:off x="1184367" y="1587089"/>
+            <a:ext cx="3736731" cy="707886"/>
+          </a:xfrm>
+          <a:prstGeom prst="rect">
+            <a:avLst/>
+          </a:prstGeom>
+          <a:noFill/>
+        </p:spPr>
+        <p:txBody>
+          <a:bodyPr wrap="square" rtlCol="0">
+            <a:spAutoFit/>
+          </a:bodyPr>
+          <a:lstStyle/>
+          <a:p>
+            <a:r>
+              <a:rPr lang="zh-CN" altLang="en-US" sz="2000"/>
+              <a:t>数据库软件的名称：</a:t>
+            </a:r>
+            <a:r>
+              <a:rPr lang="en-US" altLang="zh-CN" sz="2000"/>
+              <a:t>MySQL </a:t>
+            </a:r>
+            <a:endParaRPr lang="zh-CN" altLang="en-US" sz="2000"/>
+          </a:p>
+          <a:p>
+            <a:r>
+              <a:rPr lang="zh-CN" altLang="en-US" sz="2000"/>
+              <a:t>数据库的名称为：</a:t>
+            </a:r>
+            <a:r>
+              <a:rPr lang="en-US" altLang="zh-CN" sz="2000"/>
+              <a:t>group21</a:t>
+            </a:r>
+            <a:endParaRPr lang="zh-CN" altLang="en-US" sz="2000"/>
+          </a:p>
+        </p:txBody>
+      </p:sp>
+      <p:sp>
+        <p:nvSpPr>
+          <p:cNvPr id="5" name="文本框 4"/>
+          <p:cNvSpPr txBox="1"/>
+          <p:nvPr/>
+        </p:nvSpPr>
+        <p:spPr>
+          <a:xfrm>
+            <a:off x="677008" y="2525807"/>
+            <a:ext cx="2136530" cy="461665"/>
+          </a:xfrm>
+          <a:prstGeom prst="rect">
+            <a:avLst/>
+          </a:prstGeom>
+          <a:noFill/>
+        </p:spPr>
+        <p:txBody>
+          <a:bodyPr wrap="square" rtlCol="0">
+            <a:spAutoFit/>
+          </a:bodyPr>
+          <a:lstStyle/>
+          <a:p>
+            <a:r>
+              <a:rPr lang="zh-CN" altLang="en-US" sz="2400"/>
+              <a:t>使用程序</a:t>
+            </a:r>
+          </a:p>
+        </p:txBody>
+      </p:sp>
+      <p:sp>
+        <p:nvSpPr>
+          <p:cNvPr id="7" name="文本框 6"/>
+          <p:cNvSpPr txBox="1"/>
+          <p:nvPr/>
+        </p:nvSpPr>
+        <p:spPr>
+          <a:xfrm>
+            <a:off x="1184366" y="2987472"/>
+            <a:ext cx="3736731" cy="400110"/>
+          </a:xfrm>
+          <a:prstGeom prst="rect">
+            <a:avLst/>
+          </a:prstGeom>
+          <a:noFill/>
+        </p:spPr>
+        <p:txBody>
+          <a:bodyPr wrap="square" rtlCol="0">
+            <a:spAutoFit/>
+          </a:bodyPr>
+          <a:lstStyle/>
+          <a:p>
+            <a:r>
+              <a:rPr lang="zh-CN" altLang="en-US" sz="2000"/>
+              <a:t>座位检测预约系统</a:t>
+            </a:r>
+          </a:p>
+        </p:txBody>
+      </p:sp>
+      <p:sp>
+        <p:nvSpPr>
+          <p:cNvPr id="8" name="文本框 7"/>
+          <p:cNvSpPr txBox="1"/>
+          <p:nvPr/>
+        </p:nvSpPr>
+        <p:spPr>
+          <a:xfrm>
+            <a:off x="677008" y="3618414"/>
+            <a:ext cx="2136530" cy="461665"/>
+          </a:xfrm>
+          <a:prstGeom prst="rect">
+            <a:avLst/>
+          </a:prstGeom>
+          <a:noFill/>
+        </p:spPr>
+        <p:txBody>
+          <a:bodyPr wrap="square" rtlCol="0">
+            <a:spAutoFit/>
+          </a:bodyPr>
+          <a:lstStyle/>
+          <a:p>
+            <a:r>
+              <a:rPr lang="zh-CN" altLang="en-US" sz="2400"/>
+              <a:t>约定</a:t>
+            </a:r>
+          </a:p>
+        </p:txBody>
+      </p:sp>
+      <p:sp>
+        <p:nvSpPr>
+          <p:cNvPr id="9" name="文本框 8"/>
+          <p:cNvSpPr txBox="1"/>
+          <p:nvPr/>
+        </p:nvSpPr>
+        <p:spPr>
+          <a:xfrm>
+            <a:off x="1184366" y="4080079"/>
+            <a:ext cx="9893942" cy="1631216"/>
+          </a:xfrm>
+          <a:prstGeom prst="rect">
+            <a:avLst/>
+          </a:prstGeom>
+          <a:noFill/>
+        </p:spPr>
+        <p:txBody>
+          <a:bodyPr wrap="square" rtlCol="0">
+            <a:spAutoFit/>
+          </a:bodyPr>
+          <a:lstStyle/>
+          <a:p>
+            <a:r>
+              <a:rPr lang="zh-CN" altLang="en-US" sz="2000"/>
+              <a:t>命名约定：所有的数据库命名都是以模块的具体表的英文词汇组成</a:t>
+            </a:r>
+            <a:r>
+              <a:rPr lang="en-US" altLang="zh-CN" sz="2000"/>
+              <a:t>,</a:t>
+            </a:r>
+            <a:r>
+              <a:rPr lang="zh-CN" altLang="en-US" sz="2000"/>
+              <a:t>这样能够统一数据库表的命名，也能够更好的规范数据库表命名的作用。</a:t>
+            </a:r>
+            <a:endParaRPr lang="en-US" altLang="zh-CN" sz="2000"/>
+          </a:p>
+          <a:p>
+            <a:r>
+              <a:rPr lang="zh-CN" altLang="en-US" sz="2000"/>
+              <a:t>设计约定：在本系统中，数据库的设计采用面向对象的设计方法，首先进行对象实体的设计，最后将对象持久化到数据库中。所有数据表第一个字段都是系统内部使用主键列，自增字段，不为空，名称为</a:t>
+            </a:r>
+            <a:r>
+              <a:rPr lang="en-US" altLang="zh-CN" sz="2000"/>
+              <a:t>id</a:t>
+            </a:r>
+            <a:r>
+              <a:rPr lang="zh-CN" altLang="en-US" sz="2000"/>
+              <a:t>。</a:t>
+            </a:r>
           </a:p>
         </p:txBody>
       </p:sp>
     </p:spTree>
     <p:extLst>
       <p:ext uri="{BB962C8B-B14F-4D97-AF65-F5344CB8AC3E}">
-        <p14:creationId xmlns:p14="http://schemas.microsoft.com/office/powerpoint/2010/main" val="2978495816"/>
+        <p14:creationId xmlns:p14="http://schemas.microsoft.com/office/powerpoint/2010/main" val="3412285250"/>
       </p:ext>
     </p:extLst>
   </p:cSld>
@@ -4824,14 +5047,85 @@
           <a:bodyPr/>
           <a:lstStyle/>
           <a:p>
+            <a:r>
+              <a:rPr lang="zh-CN" altLang="en-US"/>
+              <a:t>概念结构设计</a:t>
+            </a:r>
             <a:endParaRPr lang="zh-CN" altLang="en-US" dirty="0"/>
+          </a:p>
+        </p:txBody>
+      </p:sp>
+      <p:pic>
+        <p:nvPicPr>
+          <p:cNvPr id="4" name="图片 3"/>
+          <p:cNvPicPr>
+            <a:picLocks noChangeAspect="1"/>
+          </p:cNvPicPr>
+          <p:nvPr/>
+        </p:nvPicPr>
+        <p:blipFill>
+          <a:blip r:embed="rId2">
+            <a:extLst>
+              <a:ext uri="{28A0092B-C50C-407E-A947-70E740481C1C}">
+                <a14:useLocalDpi xmlns:a14="http://schemas.microsoft.com/office/drawing/2010/main" val="0"/>
+              </a:ext>
+            </a:extLst>
+          </a:blip>
+          <a:stretch>
+            <a:fillRect/>
+          </a:stretch>
+        </p:blipFill>
+        <p:spPr>
+          <a:xfrm>
+            <a:off x="4715485" y="1019908"/>
+            <a:ext cx="5817700" cy="5598800"/>
+          </a:xfrm>
+          <a:prstGeom prst="rect">
+            <a:avLst/>
+          </a:prstGeom>
+        </p:spPr>
+      </p:pic>
+      <p:sp>
+        <p:nvSpPr>
+          <p:cNvPr id="6" name="文本框 5"/>
+          <p:cNvSpPr txBox="1"/>
+          <p:nvPr/>
+        </p:nvSpPr>
+        <p:spPr>
+          <a:xfrm>
+            <a:off x="677008" y="1143008"/>
+            <a:ext cx="2971800" cy="461665"/>
+          </a:xfrm>
+          <a:prstGeom prst="rect">
+            <a:avLst/>
+          </a:prstGeom>
+          <a:noFill/>
+        </p:spPr>
+        <p:txBody>
+          <a:bodyPr wrap="square" rtlCol="0">
+            <a:spAutoFit/>
+          </a:bodyPr>
+          <a:lstStyle/>
+          <a:p>
+            <a:r>
+              <a:rPr lang="zh-CN" altLang="en-US" sz="2400"/>
+              <a:t>完整</a:t>
+            </a:r>
+            <a:r>
+              <a:rPr lang="en-US" altLang="zh-CN" sz="2400"/>
+              <a:t>ER</a:t>
+            </a:r>
+            <a:r>
+              <a:rPr lang="zh-CN" altLang="en-US" sz="2400"/>
+              <a:t>图</a:t>
+            </a:r>
           </a:p>
         </p:txBody>
       </p:sp>
     </p:spTree>
     <p:extLst>
       <p:ext uri="{BB962C8B-B14F-4D97-AF65-F5344CB8AC3E}">
-        <p14:creationId xmlns:p14="http://schemas.microsoft.com/office/powerpoint/2010/main" val="307185473"/>
+        <p14:creationId xmlns:p14="http://schemas.microsoft.com/office/powerpoint/2010/main" val="829126562"/>
       </p:ext>
     </p:extLst>
   </p:cSld>
@@ -4854,6 +5148,645 @@
 </file>
 
 <file path=ppt/slides/slide12.xml><?xml version="1.0" encoding="utf-8"?>
+<p:sld xmlns:a="http://schemas.openxmlformats.org/drawingml/2006/main" xmlns:r="http://schemas.openxmlformats.org/officeDocument/2006/relationships" xmlns:p="http://schemas.openxmlformats.org/presentationml/2006/main">
+  <p:cSld>
+    <p:spTree>
+      <p:nvGrpSpPr>
+        <p:cNvPr id="1" name=""/>
+        <p:cNvGrpSpPr/>
+        <p:nvPr/>
+      </p:nvGrpSpPr>
+      <p:grpSpPr>
+        <a:xfrm>
+          <a:off x="0" y="0"/>
+          <a:ext cx="0" cy="0"/>
+          <a:chOff x="0" y="0"/>
+          <a:chExt cx="0" cy="0"/>
+        </a:xfrm>
+      </p:grpSpPr>
+      <p:sp>
+        <p:nvSpPr>
+          <p:cNvPr id="2" name="标题 1">
+            <a:extLst>
+              <a:ext uri="{FF2B5EF4-FFF2-40B4-BE49-F238E27FC236}">
+                <a16:creationId xmlns:a16="http://schemas.microsoft.com/office/drawing/2014/main" id="{E07038C4-B947-4097-9E1F-E952A2FCEF86}"/>
+              </a:ext>
+            </a:extLst>
+          </p:cNvPr>
+          <p:cNvSpPr>
+            <a:spLocks noGrp="1"/>
+          </p:cNvSpPr>
+          <p:nvPr>
+            <p:ph type="title"/>
+          </p:nvPr>
+        </p:nvSpPr>
+        <p:spPr/>
+        <p:txBody>
+          <a:bodyPr/>
+          <a:lstStyle/>
+          <a:p>
+            <a:r>
+              <a:rPr lang="zh-CN" altLang="en-US"/>
+              <a:t>逻辑结构设计</a:t>
+            </a:r>
+            <a:endParaRPr lang="zh-CN" altLang="en-US" dirty="0"/>
+          </a:p>
+        </p:txBody>
+      </p:sp>
+      <p:pic>
+        <p:nvPicPr>
+          <p:cNvPr id="3" name="图片 2"/>
+          <p:cNvPicPr>
+            <a:picLocks noChangeAspect="1"/>
+          </p:cNvPicPr>
+          <p:nvPr/>
+        </p:nvPicPr>
+        <p:blipFill>
+          <a:blip r:embed="rId2">
+            <a:extLst>
+              <a:ext uri="{28A0092B-C50C-407E-A947-70E740481C1C}">
+                <a14:useLocalDpi xmlns:a14="http://schemas.microsoft.com/office/drawing/2010/main" val="0"/>
+              </a:ext>
+            </a:extLst>
+          </a:blip>
+          <a:stretch>
+            <a:fillRect/>
+          </a:stretch>
+        </p:blipFill>
+        <p:spPr>
+          <a:xfrm>
+            <a:off x="2525799" y="1029064"/>
+            <a:ext cx="6950319" cy="5413615"/>
+          </a:xfrm>
+          <a:prstGeom prst="rect">
+            <a:avLst/>
+          </a:prstGeom>
+        </p:spPr>
+      </p:pic>
+    </p:spTree>
+    <p:extLst>
+      <p:ext uri="{BB962C8B-B14F-4D97-AF65-F5344CB8AC3E}">
+        <p14:creationId xmlns:p14="http://schemas.microsoft.com/office/powerpoint/2010/main" val="3745682529"/>
+      </p:ext>
+    </p:extLst>
+  </p:cSld>
+  <p:clrMapOvr>
+    <a:masterClrMapping/>
+  </p:clrMapOvr>
+  <mc:AlternateContent xmlns:mc="http://schemas.openxmlformats.org/markup-compatibility/2006" xmlns:p14="http://schemas.microsoft.com/office/powerpoint/2010/main">
+    <mc:Choice Requires="p14">
+      <p:transition spd="slow" p14:dur="1500" advTm="0">
+        <p:random/>
+      </p:transition>
+    </mc:Choice>
+    <mc:Fallback xmlns="">
+      <p:transition spd="slow" advTm="0">
+        <p:random/>
+      </p:transition>
+    </mc:Fallback>
+  </mc:AlternateContent>
+</p:sld>
+</file>
+
+<file path=ppt/slides/slide13.xml><?xml version="1.0" encoding="utf-8"?>
+<p:sld xmlns:a="http://schemas.openxmlformats.org/drawingml/2006/main" xmlns:r="http://schemas.openxmlformats.org/officeDocument/2006/relationships" xmlns:p="http://schemas.openxmlformats.org/presentationml/2006/main">
+  <p:cSld>
+    <p:spTree>
+      <p:nvGrpSpPr>
+        <p:cNvPr id="1" name=""/>
+        <p:cNvGrpSpPr/>
+        <p:nvPr/>
+      </p:nvGrpSpPr>
+      <p:grpSpPr>
+        <a:xfrm>
+          <a:off x="0" y="0"/>
+          <a:ext cx="0" cy="0"/>
+          <a:chOff x="0" y="0"/>
+          <a:chExt cx="0" cy="0"/>
+        </a:xfrm>
+      </p:grpSpPr>
+      <p:sp>
+        <p:nvSpPr>
+          <p:cNvPr id="2" name="标题 1">
+            <a:extLst>
+              <a:ext uri="{FF2B5EF4-FFF2-40B4-BE49-F238E27FC236}">
+                <a16:creationId xmlns:a16="http://schemas.microsoft.com/office/drawing/2014/main" id="{E07038C4-B947-4097-9E1F-E952A2FCEF86}"/>
+              </a:ext>
+            </a:extLst>
+          </p:cNvPr>
+          <p:cNvSpPr>
+            <a:spLocks noGrp="1"/>
+          </p:cNvSpPr>
+          <p:nvPr>
+            <p:ph type="title"/>
+          </p:nvPr>
+        </p:nvSpPr>
+        <p:spPr/>
+        <p:txBody>
+          <a:bodyPr/>
+          <a:lstStyle/>
+          <a:p>
+            <a:r>
+              <a:rPr lang="zh-CN" altLang="en-US"/>
+              <a:t>物理结构设计</a:t>
+            </a:r>
+            <a:endParaRPr lang="zh-CN" altLang="en-US" dirty="0"/>
+          </a:p>
+        </p:txBody>
+      </p:sp>
+      <p:pic>
+        <p:nvPicPr>
+          <p:cNvPr id="4" name="图片 3"/>
+          <p:cNvPicPr>
+            <a:picLocks noChangeAspect="1"/>
+          </p:cNvPicPr>
+          <p:nvPr/>
+        </p:nvPicPr>
+        <p:blipFill>
+          <a:blip r:embed="rId2">
+            <a:extLst>
+              <a:ext uri="{28A0092B-C50C-407E-A947-70E740481C1C}">
+                <a14:useLocalDpi xmlns:a14="http://schemas.microsoft.com/office/drawing/2010/main" val="0"/>
+              </a:ext>
+            </a:extLst>
+          </a:blip>
+          <a:stretch>
+            <a:fillRect/>
+          </a:stretch>
+        </p:blipFill>
+        <p:spPr>
+          <a:xfrm>
+            <a:off x="6387318" y="4603359"/>
+            <a:ext cx="5280660" cy="1424940"/>
+          </a:xfrm>
+          <a:prstGeom prst="rect">
+            <a:avLst/>
+          </a:prstGeom>
+        </p:spPr>
+      </p:pic>
+      <p:pic>
+        <p:nvPicPr>
+          <p:cNvPr id="5" name="图片 4"/>
+          <p:cNvPicPr>
+            <a:picLocks noChangeAspect="1"/>
+          </p:cNvPicPr>
+          <p:nvPr/>
+        </p:nvPicPr>
+        <p:blipFill>
+          <a:blip r:embed="rId3">
+            <a:extLst>
+              <a:ext uri="{28A0092B-C50C-407E-A947-70E740481C1C}">
+                <a14:useLocalDpi xmlns:a14="http://schemas.microsoft.com/office/drawing/2010/main" val="0"/>
+              </a:ext>
+            </a:extLst>
+          </a:blip>
+          <a:stretch>
+            <a:fillRect/>
+          </a:stretch>
+        </p:blipFill>
+        <p:spPr>
+          <a:xfrm>
+            <a:off x="6387318" y="1362515"/>
+            <a:ext cx="5273040" cy="1348740"/>
+          </a:xfrm>
+          <a:prstGeom prst="rect">
+            <a:avLst/>
+          </a:prstGeom>
+        </p:spPr>
+      </p:pic>
+      <p:pic>
+        <p:nvPicPr>
+          <p:cNvPr id="6" name="图片 5"/>
+          <p:cNvPicPr>
+            <a:picLocks noChangeAspect="1"/>
+          </p:cNvPicPr>
+          <p:nvPr/>
+        </p:nvPicPr>
+        <p:blipFill>
+          <a:blip r:embed="rId4">
+            <a:extLst>
+              <a:ext uri="{28A0092B-C50C-407E-A947-70E740481C1C}">
+                <a14:useLocalDpi xmlns:a14="http://schemas.microsoft.com/office/drawing/2010/main" val="0"/>
+              </a:ext>
+            </a:extLst>
+          </a:blip>
+          <a:stretch>
+            <a:fillRect/>
+          </a:stretch>
+        </p:blipFill>
+        <p:spPr>
+          <a:xfrm>
+            <a:off x="648789" y="4694799"/>
+            <a:ext cx="5280660" cy="1333500"/>
+          </a:xfrm>
+          <a:prstGeom prst="rect">
+            <a:avLst/>
+          </a:prstGeom>
+        </p:spPr>
+      </p:pic>
+      <p:pic>
+        <p:nvPicPr>
+          <p:cNvPr id="7" name="图片 6"/>
+          <p:cNvPicPr>
+            <a:picLocks noChangeAspect="1"/>
+          </p:cNvPicPr>
+          <p:nvPr/>
+        </p:nvPicPr>
+        <p:blipFill>
+          <a:blip r:embed="rId5">
+            <a:extLst>
+              <a:ext uri="{28A0092B-C50C-407E-A947-70E740481C1C}">
+                <a14:useLocalDpi xmlns:a14="http://schemas.microsoft.com/office/drawing/2010/main" val="0"/>
+              </a:ext>
+            </a:extLst>
+          </a:blip>
+          <a:stretch>
+            <a:fillRect/>
+          </a:stretch>
+        </p:blipFill>
+        <p:spPr>
+          <a:xfrm>
+            <a:off x="648789" y="1362515"/>
+            <a:ext cx="5273040" cy="1333500"/>
+          </a:xfrm>
+          <a:prstGeom prst="rect">
+            <a:avLst/>
+          </a:prstGeom>
+        </p:spPr>
+      </p:pic>
+      <p:pic>
+        <p:nvPicPr>
+          <p:cNvPr id="8" name="图片 7"/>
+          <p:cNvPicPr>
+            <a:picLocks noChangeAspect="1"/>
+          </p:cNvPicPr>
+          <p:nvPr/>
+        </p:nvPicPr>
+        <p:blipFill>
+          <a:blip r:embed="rId6">
+            <a:extLst>
+              <a:ext uri="{28A0092B-C50C-407E-A947-70E740481C1C}">
+                <a14:useLocalDpi xmlns:a14="http://schemas.microsoft.com/office/drawing/2010/main" val="0"/>
+              </a:ext>
+            </a:extLst>
+          </a:blip>
+          <a:stretch>
+            <a:fillRect/>
+          </a:stretch>
+        </p:blipFill>
+        <p:spPr>
+          <a:xfrm>
+            <a:off x="3553098" y="2986747"/>
+            <a:ext cx="5280660" cy="1447800"/>
+          </a:xfrm>
+          <a:prstGeom prst="rect">
+            <a:avLst/>
+          </a:prstGeom>
+        </p:spPr>
+      </p:pic>
+    </p:spTree>
+    <p:extLst>
+      <p:ext uri="{BB962C8B-B14F-4D97-AF65-F5344CB8AC3E}">
+        <p14:creationId xmlns:p14="http://schemas.microsoft.com/office/powerpoint/2010/main" val="3886278263"/>
+      </p:ext>
+    </p:extLst>
+  </p:cSld>
+  <p:clrMapOvr>
+    <a:masterClrMapping/>
+  </p:clrMapOvr>
+  <mc:AlternateContent xmlns:mc="http://schemas.openxmlformats.org/markup-compatibility/2006" xmlns:p14="http://schemas.microsoft.com/office/powerpoint/2010/main">
+    <mc:Choice Requires="p14">
+      <p:transition spd="slow" p14:dur="1500" advTm="0">
+        <p:random/>
+      </p:transition>
+    </mc:Choice>
+    <mc:Fallback xmlns="">
+      <p:transition spd="slow" advTm="0">
+        <p:random/>
+      </p:transition>
+    </mc:Fallback>
+  </mc:AlternateContent>
+</p:sld>
+</file>
+
+<file path=ppt/slides/slide14.xml><?xml version="1.0" encoding="utf-8"?>
+<p:sld xmlns:a="http://schemas.openxmlformats.org/drawingml/2006/main" xmlns:r="http://schemas.openxmlformats.org/officeDocument/2006/relationships" xmlns:p="http://schemas.openxmlformats.org/presentationml/2006/main">
+  <p:cSld>
+    <p:spTree>
+      <p:nvGrpSpPr>
+        <p:cNvPr id="1" name=""/>
+        <p:cNvGrpSpPr/>
+        <p:nvPr/>
+      </p:nvGrpSpPr>
+      <p:grpSpPr>
+        <a:xfrm>
+          <a:off x="0" y="0"/>
+          <a:ext cx="0" cy="0"/>
+          <a:chOff x="0" y="0"/>
+          <a:chExt cx="0" cy="0"/>
+        </a:xfrm>
+      </p:grpSpPr>
+      <p:sp>
+        <p:nvSpPr>
+          <p:cNvPr id="2" name="标题 1">
+            <a:extLst>
+              <a:ext uri="{FF2B5EF4-FFF2-40B4-BE49-F238E27FC236}">
+                <a16:creationId xmlns:a16="http://schemas.microsoft.com/office/drawing/2014/main" id="{E07038C4-B947-4097-9E1F-E952A2FCEF86}"/>
+              </a:ext>
+            </a:extLst>
+          </p:cNvPr>
+          <p:cNvSpPr>
+            <a:spLocks noGrp="1"/>
+          </p:cNvSpPr>
+          <p:nvPr>
+            <p:ph type="title"/>
+          </p:nvPr>
+        </p:nvSpPr>
+        <p:spPr/>
+        <p:txBody>
+          <a:bodyPr/>
+          <a:lstStyle/>
+          <a:p>
+            <a:r>
+              <a:rPr lang="zh-CN" altLang="en-US"/>
+              <a:t>数据库验收标准</a:t>
+            </a:r>
+            <a:endParaRPr lang="zh-CN" altLang="en-US" dirty="0"/>
+          </a:p>
+        </p:txBody>
+      </p:sp>
+      <p:sp>
+        <p:nvSpPr>
+          <p:cNvPr id="9" name="文本框 8"/>
+          <p:cNvSpPr txBox="1"/>
+          <p:nvPr/>
+        </p:nvSpPr>
+        <p:spPr>
+          <a:xfrm>
+            <a:off x="677008" y="1143008"/>
+            <a:ext cx="2971800" cy="461665"/>
+          </a:xfrm>
+          <a:prstGeom prst="rect">
+            <a:avLst/>
+          </a:prstGeom>
+          <a:noFill/>
+        </p:spPr>
+        <p:txBody>
+          <a:bodyPr wrap="square" rtlCol="0">
+            <a:spAutoFit/>
+          </a:bodyPr>
+          <a:lstStyle/>
+          <a:p>
+            <a:r>
+              <a:rPr lang="zh-CN" altLang="en-US" sz="2400"/>
+              <a:t>数据库数据体的验收</a:t>
+            </a:r>
+          </a:p>
+        </p:txBody>
+      </p:sp>
+      <p:sp>
+        <p:nvSpPr>
+          <p:cNvPr id="10" name="文本框 9"/>
+          <p:cNvSpPr txBox="1"/>
+          <p:nvPr/>
+        </p:nvSpPr>
+        <p:spPr>
+          <a:xfrm>
+            <a:off x="1184367" y="1604673"/>
+            <a:ext cx="9937902" cy="1015663"/>
+          </a:xfrm>
+          <a:prstGeom prst="rect">
+            <a:avLst/>
+          </a:prstGeom>
+          <a:noFill/>
+        </p:spPr>
+        <p:txBody>
+          <a:bodyPr wrap="square" rtlCol="0">
+            <a:spAutoFit/>
+          </a:bodyPr>
+          <a:lstStyle/>
+          <a:p>
+            <a:pPr marL="457200" indent="-457200">
+              <a:buAutoNum type="arabicPeriod"/>
+            </a:pPr>
+            <a:r>
+              <a:rPr lang="zh-CN" altLang="en-US" sz="2000"/>
+              <a:t>保证每列的原子性，即要符合第一范式</a:t>
+            </a:r>
+            <a:endParaRPr lang="en-US" altLang="zh-CN" sz="2000"/>
+          </a:p>
+          <a:p>
+            <a:pPr marL="457200" indent="-457200">
+              <a:buAutoNum type="arabicPeriod"/>
+            </a:pPr>
+            <a:r>
+              <a:rPr lang="zh-CN" altLang="en-US" sz="2000"/>
+              <a:t>表中记录应该有唯一的标识符</a:t>
+            </a:r>
+            <a:endParaRPr lang="en-US" altLang="zh-CN" sz="2000"/>
+          </a:p>
+          <a:p>
+            <a:pPr marL="457200" indent="-457200">
+              <a:buAutoNum type="arabicPeriod"/>
+            </a:pPr>
+            <a:r>
+              <a:rPr lang="zh-CN" altLang="en-US" sz="2000"/>
+              <a:t>尽量只存储单一实体类型的数据</a:t>
+            </a:r>
+          </a:p>
+        </p:txBody>
+      </p:sp>
+      <p:sp>
+        <p:nvSpPr>
+          <p:cNvPr id="13" name="文本框 12"/>
+          <p:cNvSpPr txBox="1"/>
+          <p:nvPr/>
+        </p:nvSpPr>
+        <p:spPr>
+          <a:xfrm>
+            <a:off x="598883" y="2851168"/>
+            <a:ext cx="2971800" cy="461665"/>
+          </a:xfrm>
+          <a:prstGeom prst="rect">
+            <a:avLst/>
+          </a:prstGeom>
+          <a:noFill/>
+        </p:spPr>
+        <p:txBody>
+          <a:bodyPr wrap="square" rtlCol="0">
+            <a:spAutoFit/>
+          </a:bodyPr>
+          <a:lstStyle/>
+          <a:p>
+            <a:r>
+              <a:rPr lang="zh-CN" altLang="en-US" sz="2400"/>
+              <a:t>数据库数据体的验收</a:t>
+            </a:r>
+          </a:p>
+        </p:txBody>
+      </p:sp>
+      <p:sp>
+        <p:nvSpPr>
+          <p:cNvPr id="14" name="文本框 13"/>
+          <p:cNvSpPr txBox="1"/>
+          <p:nvPr/>
+        </p:nvSpPr>
+        <p:spPr>
+          <a:xfrm>
+            <a:off x="1184367" y="3312833"/>
+            <a:ext cx="9937902" cy="3477875"/>
+          </a:xfrm>
+          <a:prstGeom prst="rect">
+            <a:avLst/>
+          </a:prstGeom>
+          <a:noFill/>
+        </p:spPr>
+        <p:txBody>
+          <a:bodyPr wrap="square" rtlCol="0">
+            <a:spAutoFit/>
+          </a:bodyPr>
+          <a:lstStyle/>
+          <a:p>
+            <a:pPr marL="457200" indent="-457200">
+              <a:buAutoNum type="arabicPeriod"/>
+            </a:pPr>
+            <a:r>
+              <a:rPr lang="zh-CN" altLang="en-US" sz="2000"/>
+              <a:t>用户识别和鉴别：该方法由系统提供一定的方式让用户标识自己的 </a:t>
+            </a:r>
+            <a:r>
+              <a:rPr lang="en-US" altLang="zh-CN" sz="2000"/>
+              <a:t>ID</a:t>
+            </a:r>
+            <a:r>
+              <a:rPr lang="zh-CN" altLang="en-US" sz="2000"/>
+              <a:t>，每次	用户进入系统时，由系统进行核对，鉴定通过后才能提供系统的使用权。</a:t>
+            </a:r>
+            <a:endParaRPr lang="en-US" altLang="zh-CN" sz="2000"/>
+          </a:p>
+          <a:p>
+            <a:pPr marL="457200" indent="-457200">
+              <a:buAutoNum type="arabicPeriod"/>
+            </a:pPr>
+            <a:r>
+              <a:rPr lang="zh-CN" altLang="en-US" sz="2000"/>
+              <a:t>存取控制</a:t>
+            </a:r>
+            <a:r>
+              <a:rPr lang="en-US" altLang="zh-CN" sz="2000"/>
+              <a:t>:</a:t>
+            </a:r>
+            <a:r>
+              <a:rPr lang="zh-CN" altLang="en-US" sz="2000"/>
+              <a:t>通过用户权限定义和合法权检查确保只有合法权限的用户访问数据	库，所有未被授权的人员无法存取数据。</a:t>
+            </a:r>
+            <a:endParaRPr lang="en-US" altLang="zh-CN" sz="2000"/>
+          </a:p>
+          <a:p>
+            <a:pPr marL="457200" indent="-457200">
+              <a:buAutoNum type="arabicPeriod"/>
+            </a:pPr>
+            <a:r>
+              <a:rPr lang="zh-CN" altLang="en-US" sz="2000"/>
+              <a:t>视图机制</a:t>
+            </a:r>
+            <a:r>
+              <a:rPr lang="en-US" altLang="zh-CN" sz="2000"/>
+              <a:t>:</a:t>
+            </a:r>
+            <a:r>
+              <a:rPr lang="zh-CN" altLang="en-US" sz="2000"/>
+              <a:t>为不同的用户定义视图，通过视图机制把要保密的数据对无权存取	的用户隐藏起来，从而自动地对数据提供一定程度的安全保护。</a:t>
+            </a:r>
+            <a:endParaRPr lang="en-US" altLang="zh-CN" sz="2000"/>
+          </a:p>
+          <a:p>
+            <a:pPr marL="457200" indent="-457200">
+              <a:buAutoNum type="arabicPeriod"/>
+            </a:pPr>
+            <a:r>
+              <a:rPr lang="zh-CN" altLang="en-US" sz="2000"/>
+              <a:t>审计</a:t>
+            </a:r>
+            <a:r>
+              <a:rPr lang="en-US" altLang="zh-CN" sz="2000"/>
+              <a:t>:</a:t>
+            </a:r>
+            <a:r>
+              <a:rPr lang="zh-CN" altLang="en-US" sz="2000"/>
+              <a:t>建立审计日志</a:t>
+            </a:r>
+            <a:r>
+              <a:rPr lang="en-US" altLang="zh-CN" sz="2000"/>
+              <a:t>,</a:t>
+            </a:r>
+            <a:r>
+              <a:rPr lang="zh-CN" altLang="en-US" sz="2000"/>
+              <a:t>把用户对数据库的所有操作自动记录下来放入审计日志中，</a:t>
+            </a:r>
+            <a:r>
+              <a:rPr lang="en-US" altLang="zh-CN" sz="2000"/>
+              <a:t>DBA </a:t>
+            </a:r>
+            <a:r>
+              <a:rPr lang="zh-CN" altLang="en-US" sz="2000"/>
+              <a:t>可以利用审计跟踪的信息，重现导致数据库现有状况的一系列事件</a:t>
+            </a:r>
+            <a:r>
+              <a:rPr lang="en-US" altLang="zh-CN" sz="2000"/>
+              <a:t>,</a:t>
+            </a:r>
+            <a:r>
+              <a:rPr lang="zh-CN" altLang="en-US" sz="2000"/>
+              <a:t>找出非法存取数据的人、时间和内容等。</a:t>
+            </a:r>
+            <a:endParaRPr lang="en-US" altLang="zh-CN" sz="2000"/>
+          </a:p>
+          <a:p>
+            <a:pPr marL="457200" indent="-457200">
+              <a:buAutoNum type="arabicPeriod"/>
+            </a:pPr>
+            <a:r>
+              <a:rPr lang="zh-CN" altLang="en-US" sz="2000"/>
+              <a:t>数据加密</a:t>
+            </a:r>
+            <a:r>
+              <a:rPr lang="en-US" altLang="zh-CN" sz="2000"/>
+              <a:t>:</a:t>
+            </a:r>
+            <a:r>
+              <a:rPr lang="zh-CN" altLang="en-US" sz="2000"/>
+              <a:t>对存储和传输的数据进行加密处理，从而使得不知道解密算法的人	无法获知数据的内容。</a:t>
+            </a:r>
+          </a:p>
+        </p:txBody>
+      </p:sp>
+    </p:spTree>
+    <p:extLst>
+      <p:ext uri="{BB962C8B-B14F-4D97-AF65-F5344CB8AC3E}">
+        <p14:creationId xmlns:p14="http://schemas.microsoft.com/office/powerpoint/2010/main" val="1165213108"/>
+      </p:ext>
+    </p:extLst>
+  </p:cSld>
+  <p:clrMapOvr>
+    <a:masterClrMapping/>
+  </p:clrMapOvr>
+  <mc:AlternateContent xmlns:mc="http://schemas.openxmlformats.org/markup-compatibility/2006" xmlns:p14="http://schemas.microsoft.com/office/powerpoint/2010/main">
+    <mc:Choice Requires="p14">
+      <p:transition spd="slow" p14:dur="1500" advTm="0">
+        <p:random/>
+      </p:transition>
+    </mc:Choice>
+    <mc:Fallback xmlns="">
+      <p:transition spd="slow" advTm="0">
+        <p:random/>
+      </p:transition>
+    </mc:Fallback>
+  </mc:AlternateContent>
+</p:sld>
+</file>
+
+<file path=ppt/slides/slide15.xml><?xml version="1.0" encoding="utf-8"?>
 <p:sld xmlns:a="http://schemas.openxmlformats.org/drawingml/2006/main" xmlns:r="http://schemas.openxmlformats.org/officeDocument/2006/relationships" xmlns:p="http://schemas.openxmlformats.org/presentationml/2006/main">
   <p:cSld>
     <p:spTree>
@@ -5202,7 +6135,7 @@
 </p:sld>
 </file>
 
-<file path=ppt/slides/slide13.xml><?xml version="1.0" encoding="utf-8"?>
+<file path=ppt/slides/slide16.xml><?xml version="1.0" encoding="utf-8"?>
 <p:sld xmlns:a="http://schemas.openxmlformats.org/drawingml/2006/main" xmlns:r="http://schemas.openxmlformats.org/officeDocument/2006/relationships" xmlns:p="http://schemas.openxmlformats.org/presentationml/2006/main">
   <p:cSld>
     <p:spTree>
@@ -5240,7 +6173,45 @@
           <a:bodyPr/>
           <a:lstStyle/>
           <a:p>
-            <a:endParaRPr lang="zh-CN" altLang="en-US" dirty="0"/>
+            <a:r>
+              <a:rPr lang="zh-CN" altLang="en-US" dirty="0"/>
+              <a:t>项目改进</a:t>
+            </a:r>
+          </a:p>
+        </p:txBody>
+      </p:sp>
+      <p:sp>
+        <p:nvSpPr>
+          <p:cNvPr id="3" name="文本框 2">
+            <a:extLst>
+              <a:ext uri="{FF2B5EF4-FFF2-40B4-BE49-F238E27FC236}">
+                <a16:creationId xmlns:a16="http://schemas.microsoft.com/office/drawing/2014/main" id="{C6C95BF2-5FB6-47E3-A86F-640A39B1BE67}"/>
+              </a:ext>
+            </a:extLst>
+          </p:cNvPr>
+          <p:cNvSpPr txBox="1"/>
+          <p:nvPr/>
+        </p:nvSpPr>
+        <p:spPr>
+          <a:xfrm>
+            <a:off x="2225767" y="3383697"/>
+            <a:ext cx="9699533" cy="461665"/>
+          </a:xfrm>
+          <a:prstGeom prst="rect">
+            <a:avLst/>
+          </a:prstGeom>
+          <a:noFill/>
+        </p:spPr>
+        <p:txBody>
+          <a:bodyPr wrap="square" rtlCol="0">
+            <a:spAutoFit/>
+          </a:bodyPr>
+          <a:lstStyle/>
+          <a:p>
+            <a:r>
+              <a:rPr lang="zh-CN" altLang="en-US" sz="2400" dirty="0"/>
+              <a:t>挑战加入人脸识别模块，新增座位预约功能</a:t>
+            </a:r>
           </a:p>
         </p:txBody>
       </p:sp>
@@ -5269,74 +6240,7 @@
 </p:sld>
 </file>
 
-<file path=ppt/slides/slide14.xml><?xml version="1.0" encoding="utf-8"?>
-<p:sld xmlns:a="http://schemas.openxmlformats.org/drawingml/2006/main" xmlns:r="http://schemas.openxmlformats.org/officeDocument/2006/relationships" xmlns:p="http://schemas.openxmlformats.org/presentationml/2006/main">
-  <p:cSld>
-    <p:spTree>
-      <p:nvGrpSpPr>
-        <p:cNvPr id="1" name=""/>
-        <p:cNvGrpSpPr/>
-        <p:nvPr/>
-      </p:nvGrpSpPr>
-      <p:grpSpPr>
-        <a:xfrm>
-          <a:off x="0" y="0"/>
-          <a:ext cx="0" cy="0"/>
-          <a:chOff x="0" y="0"/>
-          <a:chExt cx="0" cy="0"/>
-        </a:xfrm>
-      </p:grpSpPr>
-      <p:sp>
-        <p:nvSpPr>
-          <p:cNvPr id="2" name="标题 1">
-            <a:extLst>
-              <a:ext uri="{FF2B5EF4-FFF2-40B4-BE49-F238E27FC236}">
-                <a16:creationId xmlns:a16="http://schemas.microsoft.com/office/drawing/2014/main" id="{E07038C4-B947-4097-9E1F-E952A2FCEF86}"/>
-              </a:ext>
-            </a:extLst>
-          </p:cNvPr>
-          <p:cNvSpPr>
-            <a:spLocks noGrp="1"/>
-          </p:cNvSpPr>
-          <p:nvPr>
-            <p:ph type="title"/>
-          </p:nvPr>
-        </p:nvSpPr>
-        <p:spPr/>
-        <p:txBody>
-          <a:bodyPr/>
-          <a:lstStyle/>
-          <a:p>
-            <a:endParaRPr lang="zh-CN" altLang="en-US" dirty="0"/>
-          </a:p>
-        </p:txBody>
-      </p:sp>
-    </p:spTree>
-    <p:extLst>
-      <p:ext uri="{BB962C8B-B14F-4D97-AF65-F5344CB8AC3E}">
-        <p14:creationId xmlns:p14="http://schemas.microsoft.com/office/powerpoint/2010/main" val="3454094069"/>
-      </p:ext>
-    </p:extLst>
-  </p:cSld>
-  <p:clrMapOvr>
-    <a:masterClrMapping/>
-  </p:clrMapOvr>
-  <mc:AlternateContent xmlns:mc="http://schemas.openxmlformats.org/markup-compatibility/2006" xmlns:p14="http://schemas.microsoft.com/office/powerpoint/2010/main">
-    <mc:Choice Requires="p14">
-      <p:transition spd="slow" p14:dur="1500" advTm="0">
-        <p:random/>
-      </p:transition>
-    </mc:Choice>
-    <mc:Fallback xmlns="">
-      <p:transition spd="slow" advTm="0">
-        <p:random/>
-      </p:transition>
-    </mc:Fallback>
-  </mc:AlternateContent>
-</p:sld>
-</file>
-
-<file path=ppt/slides/slide15.xml><?xml version="1.0" encoding="utf-8"?>
+<file path=ppt/slides/slide17.xml><?xml version="1.0" encoding="utf-8"?>
 <p:sld xmlns:a="http://schemas.openxmlformats.org/drawingml/2006/main" xmlns:r="http://schemas.openxmlformats.org/officeDocument/2006/relationships" xmlns:p="http://schemas.openxmlformats.org/presentationml/2006/main">
   <p:cSld>
     <p:spTree>
@@ -5500,7 +6404,7 @@
                 <a:cs typeface="+mn-ea"/>
                 <a:sym typeface="+mn-lt"/>
               </a:rPr>
-              <a:t>图改进</a:t>
+              <a:t>图</a:t>
             </a:r>
           </a:p>
         </p:txBody>
@@ -5695,7 +6599,7 @@
 </p:sld>
 </file>
 
-<file path=ppt/slides/slide16.xml><?xml version="1.0" encoding="utf-8"?>
+<file path=ppt/slides/slide18.xml><?xml version="1.0" encoding="utf-8"?>
 <p:sld xmlns:a="http://schemas.openxmlformats.org/drawingml/2006/main" xmlns:r="http://schemas.openxmlformats.org/officeDocument/2006/relationships" xmlns:p="http://schemas.openxmlformats.org/presentationml/2006/main">
   <p:cSld>
     <p:spTree>
@@ -5733,10 +6637,49 @@
           <a:bodyPr/>
           <a:lstStyle/>
           <a:p>
-            <a:endParaRPr lang="zh-CN" altLang="en-US" dirty="0"/>
-          </a:p>
-        </p:txBody>
-      </p:sp>
+            <a:r>
+              <a:rPr lang="zh-CN" altLang="en-US" dirty="0"/>
+              <a:t>类图</a:t>
+            </a:r>
+          </a:p>
+        </p:txBody>
+      </p:sp>
+      <p:pic>
+        <p:nvPicPr>
+          <p:cNvPr id="4" name="图片 3">
+            <a:extLst>
+              <a:ext uri="{FF2B5EF4-FFF2-40B4-BE49-F238E27FC236}">
+                <a16:creationId xmlns:a16="http://schemas.microsoft.com/office/drawing/2014/main" id="{878E2DC4-B0EB-48D5-B2F6-96B09ECEAF59}"/>
+              </a:ext>
+            </a:extLst>
+          </p:cNvPr>
+          <p:cNvPicPr>
+            <a:picLocks noChangeAspect="1"/>
+          </p:cNvPicPr>
+          <p:nvPr/>
+        </p:nvPicPr>
+        <p:blipFill>
+          <a:blip r:embed="rId2">
+            <a:extLst>
+              <a:ext uri="{28A0092B-C50C-407E-A947-70E740481C1C}">
+                <a14:useLocalDpi xmlns:a14="http://schemas.microsoft.com/office/drawing/2010/main" val="0"/>
+              </a:ext>
+            </a:extLst>
+          </a:blip>
+          <a:stretch>
+            <a:fillRect/>
+          </a:stretch>
+        </p:blipFill>
+        <p:spPr>
+          <a:xfrm>
+            <a:off x="361950" y="968941"/>
+            <a:ext cx="11468100" cy="5325642"/>
+          </a:xfrm>
+          <a:prstGeom prst="rect">
+            <a:avLst/>
+          </a:prstGeom>
+        </p:spPr>
+      </p:pic>
     </p:spTree>
     <p:extLst>
       <p:ext uri="{BB962C8B-B14F-4D97-AF65-F5344CB8AC3E}">
@@ -5762,7 +6705,7 @@
 </p:sld>
 </file>
 
-<file path=ppt/slides/slide17.xml><?xml version="1.0" encoding="utf-8"?>
+<file path=ppt/slides/slide19.xml><?xml version="1.0" encoding="utf-8"?>
 <p:sld xmlns:a="http://schemas.openxmlformats.org/drawingml/2006/main" xmlns:r="http://schemas.openxmlformats.org/officeDocument/2006/relationships" xmlns:p="http://schemas.openxmlformats.org/presentationml/2006/main">
   <p:cSld>
     <p:spTree>
@@ -5800,10 +6743,49 @@
           <a:bodyPr/>
           <a:lstStyle/>
           <a:p>
-            <a:endParaRPr lang="zh-CN" altLang="en-US" dirty="0"/>
-          </a:p>
-        </p:txBody>
-      </p:sp>
+            <a:r>
+              <a:rPr lang="zh-CN" altLang="en-US" dirty="0"/>
+              <a:t>状态图</a:t>
+            </a:r>
+          </a:p>
+        </p:txBody>
+      </p:sp>
+      <p:pic>
+        <p:nvPicPr>
+          <p:cNvPr id="4" name="图片 3">
+            <a:extLst>
+              <a:ext uri="{FF2B5EF4-FFF2-40B4-BE49-F238E27FC236}">
+                <a16:creationId xmlns:a16="http://schemas.microsoft.com/office/drawing/2014/main" id="{22583295-8EC5-433F-B823-B0BBE9AEA230}"/>
+              </a:ext>
+            </a:extLst>
+          </p:cNvPr>
+          <p:cNvPicPr>
+            <a:picLocks noChangeAspect="1"/>
+          </p:cNvPicPr>
+          <p:nvPr/>
+        </p:nvPicPr>
+        <p:blipFill>
+          <a:blip r:embed="rId2">
+            <a:extLst>
+              <a:ext uri="{28A0092B-C50C-407E-A947-70E740481C1C}">
+                <a14:useLocalDpi xmlns:a14="http://schemas.microsoft.com/office/drawing/2010/main" val="0"/>
+              </a:ext>
+            </a:extLst>
+          </a:blip>
+          <a:stretch>
+            <a:fillRect/>
+          </a:stretch>
+        </p:blipFill>
+        <p:spPr>
+          <a:xfrm>
+            <a:off x="292101" y="824818"/>
+            <a:ext cx="11303000" cy="6033181"/>
+          </a:xfrm>
+          <a:prstGeom prst="rect">
+            <a:avLst/>
+          </a:prstGeom>
+        </p:spPr>
+      </p:pic>
     </p:spTree>
     <p:extLst>
       <p:ext uri="{BB962C8B-B14F-4D97-AF65-F5344CB8AC3E}">
@@ -5829,7 +6811,1066 @@
 </p:sld>
 </file>
 
-<file path=ppt/slides/slide18.xml><?xml version="1.0" encoding="utf-8"?>
+<file path=ppt/slides/slide2.xml><?xml version="1.0" encoding="utf-8"?>
+<p:sld xmlns:a="http://schemas.openxmlformats.org/drawingml/2006/main" xmlns:r="http://schemas.openxmlformats.org/officeDocument/2006/relationships" xmlns:p="http://schemas.openxmlformats.org/presentationml/2006/main">
+  <p:cSld>
+    <p:spTree>
+      <p:nvGrpSpPr>
+        <p:cNvPr id="1" name=""/>
+        <p:cNvGrpSpPr/>
+        <p:nvPr/>
+      </p:nvGrpSpPr>
+      <p:grpSpPr>
+        <a:xfrm>
+          <a:off x="0" y="0"/>
+          <a:ext cx="0" cy="0"/>
+          <a:chOff x="0" y="0"/>
+          <a:chExt cx="0" cy="0"/>
+        </a:xfrm>
+      </p:grpSpPr>
+      <p:sp>
+        <p:nvSpPr>
+          <p:cNvPr id="11" name="文本框 10">
+            <a:extLst>
+              <a:ext uri="{FF2B5EF4-FFF2-40B4-BE49-F238E27FC236}">
+                <a16:creationId xmlns:a16="http://schemas.microsoft.com/office/drawing/2014/main" id="{CCFF3163-6411-4E72-80BE-6DA15799316C}"/>
+              </a:ext>
+            </a:extLst>
+          </p:cNvPr>
+          <p:cNvSpPr txBox="1"/>
+          <p:nvPr/>
+        </p:nvSpPr>
+        <p:spPr>
+          <a:xfrm>
+            <a:off x="4986795" y="970172"/>
+            <a:ext cx="5389657" cy="577850"/>
+          </a:xfrm>
+          <a:prstGeom prst="rect">
+            <a:avLst/>
+          </a:prstGeom>
+          <a:noFill/>
+        </p:spPr>
+        <p:txBody>
+          <a:bodyPr wrap="square" rtlCol="0">
+            <a:spAutoFit/>
+          </a:bodyPr>
+          <a:lstStyle/>
+          <a:p>
+            <a:pPr>
+              <a:lnSpc>
+                <a:spcPct val="150000"/>
+              </a:lnSpc>
+            </a:pPr>
+            <a:r>
+              <a:rPr lang="en-US" altLang="zh-CN" sz="2400" dirty="0">
+                <a:solidFill>
+                  <a:schemeClr val="tx1">
+                    <a:lumMod val="50000"/>
+                    <a:lumOff val="50000"/>
+                  </a:schemeClr>
+                </a:solidFill>
+                <a:cs typeface="+mn-ea"/>
+                <a:sym typeface="+mn-lt"/>
+              </a:rPr>
+              <a:t>1.</a:t>
+            </a:r>
+            <a:r>
+              <a:rPr lang="zh-CN" altLang="en-US" sz="2400" dirty="0">
+                <a:solidFill>
+                  <a:schemeClr val="tx1">
+                    <a:lumMod val="50000"/>
+                    <a:lumOff val="50000"/>
+                  </a:schemeClr>
+                </a:solidFill>
+                <a:cs typeface="+mn-ea"/>
+                <a:sym typeface="+mn-lt"/>
+              </a:rPr>
+              <a:t>系统设计说明</a:t>
+            </a:r>
+          </a:p>
+        </p:txBody>
+      </p:sp>
+      <p:sp>
+        <p:nvSpPr>
+          <p:cNvPr id="14" name="文本框 13">
+            <a:extLst>
+              <a:ext uri="{FF2B5EF4-FFF2-40B4-BE49-F238E27FC236}">
+                <a16:creationId xmlns:a16="http://schemas.microsoft.com/office/drawing/2014/main" id="{84FEC30F-B0F3-40BC-934D-C76F61789D7C}"/>
+              </a:ext>
+            </a:extLst>
+          </p:cNvPr>
+          <p:cNvSpPr txBox="1"/>
+          <p:nvPr/>
+        </p:nvSpPr>
+        <p:spPr>
+          <a:xfrm>
+            <a:off x="5318168" y="1893435"/>
+            <a:ext cx="4384675" cy="590033"/>
+          </a:xfrm>
+          <a:prstGeom prst="rect">
+            <a:avLst/>
+          </a:prstGeom>
+          <a:noFill/>
+        </p:spPr>
+        <p:txBody>
+          <a:bodyPr wrap="square" rtlCol="0">
+            <a:spAutoFit/>
+          </a:bodyPr>
+          <a:lstStyle/>
+          <a:p>
+            <a:pPr algn="l">
+              <a:lnSpc>
+                <a:spcPct val="150000"/>
+              </a:lnSpc>
+            </a:pPr>
+            <a:r>
+              <a:rPr lang="en-US" altLang="zh-CN" sz="2400" dirty="0">
+                <a:solidFill>
+                  <a:schemeClr val="tx1">
+                    <a:lumMod val="50000"/>
+                    <a:lumOff val="50000"/>
+                  </a:schemeClr>
+                </a:solidFill>
+                <a:cs typeface="+mn-ea"/>
+                <a:sym typeface="+mn-lt"/>
+              </a:rPr>
+              <a:t>2.</a:t>
+            </a:r>
+            <a:r>
+              <a:rPr lang="zh-CN" altLang="en-US" sz="2400" dirty="0">
+                <a:solidFill>
+                  <a:schemeClr val="tx1">
+                    <a:lumMod val="50000"/>
+                    <a:lumOff val="50000"/>
+                  </a:schemeClr>
+                </a:solidFill>
+                <a:cs typeface="+mn-ea"/>
+                <a:sym typeface="+mn-lt"/>
+              </a:rPr>
+              <a:t>数据库设计说明</a:t>
+            </a:r>
+          </a:p>
+        </p:txBody>
+      </p:sp>
+      <p:sp>
+        <p:nvSpPr>
+          <p:cNvPr id="17" name="文本框 16">
+            <a:extLst>
+              <a:ext uri="{FF2B5EF4-FFF2-40B4-BE49-F238E27FC236}">
+                <a16:creationId xmlns:a16="http://schemas.microsoft.com/office/drawing/2014/main" id="{517E56E2-BBE8-4710-8B07-CCC776EE77F4}"/>
+              </a:ext>
+            </a:extLst>
+          </p:cNvPr>
+          <p:cNvSpPr txBox="1"/>
+          <p:nvPr/>
+        </p:nvSpPr>
+        <p:spPr>
+          <a:xfrm>
+            <a:off x="5489285" y="2907299"/>
+            <a:ext cx="4384675" cy="590033"/>
+          </a:xfrm>
+          <a:prstGeom prst="rect">
+            <a:avLst/>
+          </a:prstGeom>
+          <a:noFill/>
+        </p:spPr>
+        <p:txBody>
+          <a:bodyPr wrap="square" rtlCol="0">
+            <a:spAutoFit/>
+          </a:bodyPr>
+          <a:lstStyle/>
+          <a:p>
+            <a:pPr algn="l">
+              <a:lnSpc>
+                <a:spcPct val="150000"/>
+              </a:lnSpc>
+            </a:pPr>
+            <a:r>
+              <a:rPr lang="en-US" altLang="zh-CN" sz="2400" dirty="0">
+                <a:solidFill>
+                  <a:schemeClr val="tx1">
+                    <a:lumMod val="50000"/>
+                    <a:lumOff val="50000"/>
+                  </a:schemeClr>
+                </a:solidFill>
+                <a:cs typeface="+mn-ea"/>
+                <a:sym typeface="+mn-lt"/>
+              </a:rPr>
+              <a:t>3.</a:t>
+            </a:r>
+            <a:r>
+              <a:rPr lang="zh-CN" altLang="en-US" sz="2400" dirty="0">
+                <a:solidFill>
+                  <a:schemeClr val="tx1">
+                    <a:lumMod val="50000"/>
+                    <a:lumOff val="50000"/>
+                  </a:schemeClr>
+                </a:solidFill>
+                <a:cs typeface="+mn-ea"/>
+                <a:sym typeface="+mn-lt"/>
+              </a:rPr>
+              <a:t>项目改进</a:t>
+            </a:r>
+          </a:p>
+        </p:txBody>
+      </p:sp>
+      <p:sp>
+        <p:nvSpPr>
+          <p:cNvPr id="20" name="文本框 19">
+            <a:extLst>
+              <a:ext uri="{FF2B5EF4-FFF2-40B4-BE49-F238E27FC236}">
+                <a16:creationId xmlns:a16="http://schemas.microsoft.com/office/drawing/2014/main" id="{E392B873-1FB4-41D7-96E2-DC0CF3EDA4AF}"/>
+              </a:ext>
+            </a:extLst>
+          </p:cNvPr>
+          <p:cNvSpPr txBox="1"/>
+          <p:nvPr/>
+        </p:nvSpPr>
+        <p:spPr>
+          <a:xfrm>
+            <a:off x="5318168" y="3943484"/>
+            <a:ext cx="4384675" cy="588110"/>
+          </a:xfrm>
+          <a:prstGeom prst="rect">
+            <a:avLst/>
+          </a:prstGeom>
+          <a:noFill/>
+        </p:spPr>
+        <p:txBody>
+          <a:bodyPr wrap="square" rtlCol="0">
+            <a:spAutoFit/>
+          </a:bodyPr>
+          <a:lstStyle/>
+          <a:p>
+            <a:pPr>
+              <a:lnSpc>
+                <a:spcPct val="150000"/>
+              </a:lnSpc>
+            </a:pPr>
+            <a:r>
+              <a:rPr lang="en-US" altLang="zh-CN" sz="2400" dirty="0">
+                <a:solidFill>
+                  <a:schemeClr val="tx1">
+                    <a:lumMod val="50000"/>
+                    <a:lumOff val="50000"/>
+                  </a:schemeClr>
+                </a:solidFill>
+                <a:cs typeface="+mn-ea"/>
+                <a:sym typeface="+mn-lt"/>
+              </a:rPr>
+              <a:t>4.UML</a:t>
+            </a:r>
+            <a:r>
+              <a:rPr lang="zh-CN" altLang="en-US" sz="2400" dirty="0">
+                <a:solidFill>
+                  <a:schemeClr val="tx1">
+                    <a:lumMod val="50000"/>
+                    <a:lumOff val="50000"/>
+                  </a:schemeClr>
+                </a:solidFill>
+                <a:cs typeface="+mn-ea"/>
+                <a:sym typeface="+mn-lt"/>
+              </a:rPr>
+              <a:t>图</a:t>
+            </a:r>
+          </a:p>
+        </p:txBody>
+      </p:sp>
+      <p:sp>
+        <p:nvSpPr>
+          <p:cNvPr id="33" name="文本框 32">
+            <a:extLst>
+              <a:ext uri="{FF2B5EF4-FFF2-40B4-BE49-F238E27FC236}">
+                <a16:creationId xmlns:a16="http://schemas.microsoft.com/office/drawing/2014/main" id="{841E2B21-F567-43EA-BD19-BF8C0D75164C}"/>
+              </a:ext>
+            </a:extLst>
+          </p:cNvPr>
+          <p:cNvSpPr txBox="1"/>
+          <p:nvPr/>
+        </p:nvSpPr>
+        <p:spPr>
+          <a:xfrm>
+            <a:off x="4986795" y="4833866"/>
+            <a:ext cx="4384675" cy="1134413"/>
+          </a:xfrm>
+          <a:prstGeom prst="rect">
+            <a:avLst/>
+          </a:prstGeom>
+          <a:noFill/>
+        </p:spPr>
+        <p:txBody>
+          <a:bodyPr wrap="square" rtlCol="0">
+            <a:spAutoFit/>
+          </a:bodyPr>
+          <a:lstStyle/>
+          <a:p>
+            <a:pPr>
+              <a:lnSpc>
+                <a:spcPct val="150000"/>
+              </a:lnSpc>
+            </a:pPr>
+            <a:r>
+              <a:rPr lang="en-US" altLang="zh-CN" sz="2400" dirty="0">
+                <a:solidFill>
+                  <a:schemeClr val="tx1">
+                    <a:lumMod val="50000"/>
+                    <a:lumOff val="50000"/>
+                  </a:schemeClr>
+                </a:solidFill>
+                <a:cs typeface="+mn-ea"/>
+                <a:sym typeface="+mn-lt"/>
+              </a:rPr>
+              <a:t>5.</a:t>
+            </a:r>
+            <a:r>
+              <a:rPr lang="zh-CN" altLang="en-US" sz="2400" dirty="0">
+                <a:solidFill>
+                  <a:schemeClr val="tx1">
+                    <a:lumMod val="50000"/>
+                    <a:lumOff val="50000"/>
+                  </a:schemeClr>
+                </a:solidFill>
+                <a:cs typeface="+mn-ea"/>
+                <a:sym typeface="+mn-lt"/>
+              </a:rPr>
+              <a:t>本次工作流程及预期开发计划</a:t>
+            </a:r>
+          </a:p>
+        </p:txBody>
+      </p:sp>
+      <p:sp>
+        <p:nvSpPr>
+          <p:cNvPr id="5" name="椭圆 4">
+            <a:extLst>
+              <a:ext uri="{FF2B5EF4-FFF2-40B4-BE49-F238E27FC236}">
+                <a16:creationId xmlns:a16="http://schemas.microsoft.com/office/drawing/2014/main" id="{CEE8C9C9-F407-4440-B867-5C0621AB9FD0}"/>
+              </a:ext>
+            </a:extLst>
+          </p:cNvPr>
+          <p:cNvSpPr/>
+          <p:nvPr/>
+        </p:nvSpPr>
+        <p:spPr>
+          <a:xfrm>
+            <a:off x="1440125" y="2146064"/>
+            <a:ext cx="2254803" cy="2254803"/>
+          </a:xfrm>
+          <a:prstGeom prst="ellipse">
+            <a:avLst/>
+          </a:prstGeom>
+          <a:solidFill>
+            <a:srgbClr val="0070C0"/>
+          </a:solidFill>
+          <a:ln>
+            <a:noFill/>
+          </a:ln>
+          <a:effectLst>
+            <a:outerShdw blurRad="381000" sx="102000" sy="102000" algn="ctr" rotWithShape="0">
+              <a:prstClr val="black">
+                <a:alpha val="40000"/>
+              </a:prstClr>
+            </a:outerShdw>
+          </a:effectLst>
+        </p:spPr>
+        <p:style>
+          <a:lnRef idx="2">
+            <a:schemeClr val="accent1">
+              <a:shade val="50000"/>
+            </a:schemeClr>
+          </a:lnRef>
+          <a:fillRef idx="1">
+            <a:schemeClr val="accent1"/>
+          </a:fillRef>
+          <a:effectRef idx="0">
+            <a:schemeClr val="accent1"/>
+          </a:effectRef>
+          <a:fontRef idx="minor">
+            <a:schemeClr val="lt1"/>
+          </a:fontRef>
+        </p:style>
+        <p:txBody>
+          <a:bodyPr rot="0" spcFirstLastPara="0" vertOverflow="overflow" horzOverflow="overflow" vert="horz" wrap="square" lIns="91440" tIns="45720" rIns="91440" bIns="45720" numCol="1" spcCol="0" rtlCol="0" fromWordArt="0" anchor="ctr" anchorCtr="0" forceAA="0" compatLnSpc="1">
+            <a:prstTxWarp prst="textNoShape">
+              <a:avLst/>
+            </a:prstTxWarp>
+            <a:noAutofit/>
+          </a:bodyPr>
+          <a:lstStyle/>
+          <a:p>
+            <a:pPr algn="ctr"/>
+            <a:r>
+              <a:rPr lang="zh-CN" altLang="en-US" sz="4000" b="1" dirty="0">
+                <a:solidFill>
+                  <a:schemeClr val="bg1"/>
+                </a:solidFill>
+                <a:cs typeface="+mn-ea"/>
+                <a:sym typeface="+mn-lt"/>
+              </a:rPr>
+              <a:t>目录</a:t>
+            </a:r>
+            <a:endParaRPr lang="en-US" altLang="zh-CN" sz="4000" b="1" dirty="0">
+              <a:solidFill>
+                <a:schemeClr val="bg1"/>
+              </a:solidFill>
+              <a:cs typeface="+mn-ea"/>
+              <a:sym typeface="+mn-lt"/>
+            </a:endParaRPr>
+          </a:p>
+          <a:p>
+            <a:pPr algn="ctr"/>
+            <a:r>
+              <a:rPr lang="en-US" altLang="zh-CN" sz="2000" b="1" dirty="0">
+                <a:solidFill>
+                  <a:schemeClr val="bg1"/>
+                </a:solidFill>
+                <a:cs typeface="+mn-ea"/>
+                <a:sym typeface="+mn-lt"/>
+              </a:rPr>
+              <a:t>contents</a:t>
+            </a:r>
+            <a:endParaRPr lang="zh-CN" altLang="en-US" sz="2000" b="1" dirty="0">
+              <a:solidFill>
+                <a:schemeClr val="bg1"/>
+              </a:solidFill>
+              <a:cs typeface="+mn-ea"/>
+              <a:sym typeface="+mn-lt"/>
+            </a:endParaRPr>
+          </a:p>
+        </p:txBody>
+      </p:sp>
+      <p:sp>
+        <p:nvSpPr>
+          <p:cNvPr id="21" name="新月形 20">
+            <a:extLst>
+              <a:ext uri="{FF2B5EF4-FFF2-40B4-BE49-F238E27FC236}">
+                <a16:creationId xmlns:a16="http://schemas.microsoft.com/office/drawing/2014/main" id="{93B72F51-81DA-4170-946B-AC1B0C425716}"/>
+              </a:ext>
+            </a:extLst>
+          </p:cNvPr>
+          <p:cNvSpPr/>
+          <p:nvPr/>
+        </p:nvSpPr>
+        <p:spPr>
+          <a:xfrm rot="10800000">
+            <a:off x="2731993" y="1018784"/>
+            <a:ext cx="2167879" cy="4335757"/>
+          </a:xfrm>
+          <a:prstGeom prst="moon">
+            <a:avLst>
+              <a:gd name="adj" fmla="val 2111"/>
+            </a:avLst>
+          </a:prstGeom>
+          <a:solidFill>
+            <a:schemeClr val="tx1">
+              <a:lumMod val="50000"/>
+              <a:lumOff val="50000"/>
+            </a:schemeClr>
+          </a:solidFill>
+          <a:ln>
+            <a:noFill/>
+          </a:ln>
+        </p:spPr>
+        <p:style>
+          <a:lnRef idx="2">
+            <a:schemeClr val="accent1">
+              <a:shade val="50000"/>
+            </a:schemeClr>
+          </a:lnRef>
+          <a:fillRef idx="1">
+            <a:schemeClr val="accent1"/>
+          </a:fillRef>
+          <a:effectRef idx="0">
+            <a:schemeClr val="accent1"/>
+          </a:effectRef>
+          <a:fontRef idx="minor">
+            <a:schemeClr val="lt1"/>
+          </a:fontRef>
+        </p:style>
+        <p:txBody>
+          <a:bodyPr rtlCol="0" anchor="ctr"/>
+          <a:lstStyle/>
+          <a:p>
+            <a:pPr algn="ctr"/>
+            <a:endParaRPr lang="zh-CN" altLang="en-US">
+              <a:cs typeface="+mn-ea"/>
+              <a:sym typeface="+mn-lt"/>
+            </a:endParaRPr>
+          </a:p>
+        </p:txBody>
+      </p:sp>
+      <p:sp>
+        <p:nvSpPr>
+          <p:cNvPr id="36" name="椭圆 35">
+            <a:extLst>
+              <a:ext uri="{FF2B5EF4-FFF2-40B4-BE49-F238E27FC236}">
+                <a16:creationId xmlns:a16="http://schemas.microsoft.com/office/drawing/2014/main" id="{0664C580-631D-4563-AB29-41E618B2EECE}"/>
+              </a:ext>
+            </a:extLst>
+          </p:cNvPr>
+          <p:cNvSpPr/>
+          <p:nvPr/>
+        </p:nvSpPr>
+        <p:spPr>
+          <a:xfrm>
+            <a:off x="3612087" y="1203510"/>
+            <a:ext cx="407690" cy="407690"/>
+          </a:xfrm>
+          <a:prstGeom prst="ellipse">
+            <a:avLst/>
+          </a:prstGeom>
+          <a:ln>
+            <a:noFill/>
+          </a:ln>
+          <a:effectLst>
+            <a:outerShdw blurRad="381000" sx="102000" sy="102000" algn="ctr" rotWithShape="0">
+              <a:prstClr val="black">
+                <a:alpha val="40000"/>
+              </a:prstClr>
+            </a:outerShdw>
+          </a:effectLst>
+        </p:spPr>
+        <p:style>
+          <a:lnRef idx="2">
+            <a:schemeClr val="accent1">
+              <a:shade val="50000"/>
+            </a:schemeClr>
+          </a:lnRef>
+          <a:fillRef idx="1">
+            <a:schemeClr val="accent1"/>
+          </a:fillRef>
+          <a:effectRef idx="0">
+            <a:schemeClr val="accent1"/>
+          </a:effectRef>
+          <a:fontRef idx="minor">
+            <a:schemeClr val="lt1"/>
+          </a:fontRef>
+        </p:style>
+        <p:txBody>
+          <a:bodyPr rot="0" spcFirstLastPara="0" vertOverflow="overflow" horzOverflow="overflow" vert="horz" wrap="square" lIns="91440" tIns="45720" rIns="91440" bIns="45720" numCol="1" spcCol="0" rtlCol="0" fromWordArt="0" anchor="ctr" anchorCtr="0" forceAA="0" compatLnSpc="1">
+            <a:prstTxWarp prst="textNoShape">
+              <a:avLst/>
+            </a:prstTxWarp>
+            <a:noAutofit/>
+          </a:bodyPr>
+          <a:lstStyle/>
+          <a:p>
+            <a:pPr algn="ctr"/>
+            <a:endParaRPr lang="zh-CN" altLang="en-US" sz="5400" b="1">
+              <a:solidFill>
+                <a:schemeClr val="bg1"/>
+              </a:solidFill>
+              <a:cs typeface="+mn-ea"/>
+              <a:sym typeface="+mn-lt"/>
+            </a:endParaRPr>
+          </a:p>
+        </p:txBody>
+      </p:sp>
+      <p:sp>
+        <p:nvSpPr>
+          <p:cNvPr id="37" name="椭圆 36">
+            <a:extLst>
+              <a:ext uri="{FF2B5EF4-FFF2-40B4-BE49-F238E27FC236}">
+                <a16:creationId xmlns:a16="http://schemas.microsoft.com/office/drawing/2014/main" id="{6F5B0D39-6865-4069-B853-342652A0DEF1}"/>
+              </a:ext>
+            </a:extLst>
+          </p:cNvPr>
+          <p:cNvSpPr/>
+          <p:nvPr/>
+        </p:nvSpPr>
+        <p:spPr>
+          <a:xfrm>
+            <a:off x="4414800" y="2026459"/>
+            <a:ext cx="407690" cy="407690"/>
+          </a:xfrm>
+          <a:prstGeom prst="ellipse">
+            <a:avLst/>
+          </a:prstGeom>
+          <a:ln>
+            <a:noFill/>
+          </a:ln>
+          <a:effectLst>
+            <a:outerShdw blurRad="381000" sx="102000" sy="102000" algn="ctr" rotWithShape="0">
+              <a:prstClr val="black">
+                <a:alpha val="40000"/>
+              </a:prstClr>
+            </a:outerShdw>
+          </a:effectLst>
+        </p:spPr>
+        <p:style>
+          <a:lnRef idx="2">
+            <a:schemeClr val="accent1">
+              <a:shade val="50000"/>
+            </a:schemeClr>
+          </a:lnRef>
+          <a:fillRef idx="1">
+            <a:schemeClr val="accent1"/>
+          </a:fillRef>
+          <a:effectRef idx="0">
+            <a:schemeClr val="accent1"/>
+          </a:effectRef>
+          <a:fontRef idx="minor">
+            <a:schemeClr val="lt1"/>
+          </a:fontRef>
+        </p:style>
+        <p:txBody>
+          <a:bodyPr rot="0" spcFirstLastPara="0" vertOverflow="overflow" horzOverflow="overflow" vert="horz" wrap="square" lIns="91440" tIns="45720" rIns="91440" bIns="45720" numCol="1" spcCol="0" rtlCol="0" fromWordArt="0" anchor="ctr" anchorCtr="0" forceAA="0" compatLnSpc="1">
+            <a:prstTxWarp prst="textNoShape">
+              <a:avLst/>
+            </a:prstTxWarp>
+            <a:noAutofit/>
+          </a:bodyPr>
+          <a:lstStyle/>
+          <a:p>
+            <a:pPr algn="ctr"/>
+            <a:endParaRPr lang="zh-CN" altLang="en-US" sz="5400" b="1">
+              <a:solidFill>
+                <a:schemeClr val="bg1"/>
+              </a:solidFill>
+              <a:cs typeface="+mn-ea"/>
+              <a:sym typeface="+mn-lt"/>
+            </a:endParaRPr>
+          </a:p>
+        </p:txBody>
+      </p:sp>
+      <p:sp>
+        <p:nvSpPr>
+          <p:cNvPr id="38" name="椭圆 37">
+            <a:extLst>
+              <a:ext uri="{FF2B5EF4-FFF2-40B4-BE49-F238E27FC236}">
+                <a16:creationId xmlns:a16="http://schemas.microsoft.com/office/drawing/2014/main" id="{6D47D87C-876F-4A41-9D70-9FCEA2706995}"/>
+              </a:ext>
+            </a:extLst>
+          </p:cNvPr>
+          <p:cNvSpPr/>
+          <p:nvPr/>
+        </p:nvSpPr>
+        <p:spPr>
+          <a:xfrm>
+            <a:off x="4608201" y="3044613"/>
+            <a:ext cx="407690" cy="407690"/>
+          </a:xfrm>
+          <a:prstGeom prst="ellipse">
+            <a:avLst/>
+          </a:prstGeom>
+          <a:ln>
+            <a:noFill/>
+          </a:ln>
+          <a:effectLst>
+            <a:outerShdw blurRad="381000" sx="102000" sy="102000" algn="ctr" rotWithShape="0">
+              <a:prstClr val="black">
+                <a:alpha val="40000"/>
+              </a:prstClr>
+            </a:outerShdw>
+          </a:effectLst>
+        </p:spPr>
+        <p:style>
+          <a:lnRef idx="2">
+            <a:schemeClr val="accent1">
+              <a:shade val="50000"/>
+            </a:schemeClr>
+          </a:lnRef>
+          <a:fillRef idx="1">
+            <a:schemeClr val="accent1"/>
+          </a:fillRef>
+          <a:effectRef idx="0">
+            <a:schemeClr val="accent1"/>
+          </a:effectRef>
+          <a:fontRef idx="minor">
+            <a:schemeClr val="lt1"/>
+          </a:fontRef>
+        </p:style>
+        <p:txBody>
+          <a:bodyPr rot="0" spcFirstLastPara="0" vertOverflow="overflow" horzOverflow="overflow" vert="horz" wrap="square" lIns="91440" tIns="45720" rIns="91440" bIns="45720" numCol="1" spcCol="0" rtlCol="0" fromWordArt="0" anchor="ctr" anchorCtr="0" forceAA="0" compatLnSpc="1">
+            <a:prstTxWarp prst="textNoShape">
+              <a:avLst/>
+            </a:prstTxWarp>
+            <a:noAutofit/>
+          </a:bodyPr>
+          <a:lstStyle/>
+          <a:p>
+            <a:pPr algn="ctr"/>
+            <a:endParaRPr lang="zh-CN" altLang="en-US" sz="5400" b="1">
+              <a:solidFill>
+                <a:schemeClr val="bg1"/>
+              </a:solidFill>
+              <a:cs typeface="+mn-ea"/>
+              <a:sym typeface="+mn-lt"/>
+            </a:endParaRPr>
+          </a:p>
+        </p:txBody>
+      </p:sp>
+      <p:sp>
+        <p:nvSpPr>
+          <p:cNvPr id="39" name="椭圆 38">
+            <a:extLst>
+              <a:ext uri="{FF2B5EF4-FFF2-40B4-BE49-F238E27FC236}">
+                <a16:creationId xmlns:a16="http://schemas.microsoft.com/office/drawing/2014/main" id="{52F951E6-8F5C-4F0E-BADA-8A610EA8D7A8}"/>
+              </a:ext>
+            </a:extLst>
+          </p:cNvPr>
+          <p:cNvSpPr/>
+          <p:nvPr/>
+        </p:nvSpPr>
+        <p:spPr>
+          <a:xfrm>
+            <a:off x="4390303" y="4062767"/>
+            <a:ext cx="407690" cy="407690"/>
+          </a:xfrm>
+          <a:prstGeom prst="ellipse">
+            <a:avLst/>
+          </a:prstGeom>
+          <a:ln>
+            <a:noFill/>
+          </a:ln>
+          <a:effectLst>
+            <a:outerShdw blurRad="381000" sx="102000" sy="102000" algn="ctr" rotWithShape="0">
+              <a:prstClr val="black">
+                <a:alpha val="40000"/>
+              </a:prstClr>
+            </a:outerShdw>
+          </a:effectLst>
+        </p:spPr>
+        <p:style>
+          <a:lnRef idx="2">
+            <a:schemeClr val="accent1">
+              <a:shade val="50000"/>
+            </a:schemeClr>
+          </a:lnRef>
+          <a:fillRef idx="1">
+            <a:schemeClr val="accent1"/>
+          </a:fillRef>
+          <a:effectRef idx="0">
+            <a:schemeClr val="accent1"/>
+          </a:effectRef>
+          <a:fontRef idx="minor">
+            <a:schemeClr val="lt1"/>
+          </a:fontRef>
+        </p:style>
+        <p:txBody>
+          <a:bodyPr rot="0" spcFirstLastPara="0" vertOverflow="overflow" horzOverflow="overflow" vert="horz" wrap="square" lIns="91440" tIns="45720" rIns="91440" bIns="45720" numCol="1" spcCol="0" rtlCol="0" fromWordArt="0" anchor="ctr" anchorCtr="0" forceAA="0" compatLnSpc="1">
+            <a:prstTxWarp prst="textNoShape">
+              <a:avLst/>
+            </a:prstTxWarp>
+            <a:noAutofit/>
+          </a:bodyPr>
+          <a:lstStyle/>
+          <a:p>
+            <a:pPr algn="ctr"/>
+            <a:endParaRPr lang="zh-CN" altLang="en-US" sz="5400" b="1">
+              <a:solidFill>
+                <a:schemeClr val="bg1"/>
+              </a:solidFill>
+              <a:cs typeface="+mn-ea"/>
+              <a:sym typeface="+mn-lt"/>
+            </a:endParaRPr>
+          </a:p>
+        </p:txBody>
+      </p:sp>
+      <p:sp>
+        <p:nvSpPr>
+          <p:cNvPr id="40" name="椭圆 39">
+            <a:extLst>
+              <a:ext uri="{FF2B5EF4-FFF2-40B4-BE49-F238E27FC236}">
+                <a16:creationId xmlns:a16="http://schemas.microsoft.com/office/drawing/2014/main" id="{F230E8A9-55E6-4DB0-83DC-2AA7426368DC}"/>
+              </a:ext>
+            </a:extLst>
+          </p:cNvPr>
+          <p:cNvSpPr/>
+          <p:nvPr/>
+        </p:nvSpPr>
+        <p:spPr>
+          <a:xfrm>
+            <a:off x="3621575" y="4858198"/>
+            <a:ext cx="407690" cy="407690"/>
+          </a:xfrm>
+          <a:prstGeom prst="ellipse">
+            <a:avLst/>
+          </a:prstGeom>
+          <a:ln>
+            <a:noFill/>
+          </a:ln>
+          <a:effectLst>
+            <a:outerShdw blurRad="381000" sx="102000" sy="102000" algn="ctr" rotWithShape="0">
+              <a:prstClr val="black">
+                <a:alpha val="40000"/>
+              </a:prstClr>
+            </a:outerShdw>
+          </a:effectLst>
+        </p:spPr>
+        <p:style>
+          <a:lnRef idx="2">
+            <a:schemeClr val="accent1">
+              <a:shade val="50000"/>
+            </a:schemeClr>
+          </a:lnRef>
+          <a:fillRef idx="1">
+            <a:schemeClr val="accent1"/>
+          </a:fillRef>
+          <a:effectRef idx="0">
+            <a:schemeClr val="accent1"/>
+          </a:effectRef>
+          <a:fontRef idx="minor">
+            <a:schemeClr val="lt1"/>
+          </a:fontRef>
+        </p:style>
+        <p:txBody>
+          <a:bodyPr rot="0" spcFirstLastPara="0" vertOverflow="overflow" horzOverflow="overflow" vert="horz" wrap="square" lIns="91440" tIns="45720" rIns="91440" bIns="45720" numCol="1" spcCol="0" rtlCol="0" fromWordArt="0" anchor="ctr" anchorCtr="0" forceAA="0" compatLnSpc="1">
+            <a:prstTxWarp prst="textNoShape">
+              <a:avLst/>
+            </a:prstTxWarp>
+            <a:noAutofit/>
+          </a:bodyPr>
+          <a:lstStyle/>
+          <a:p>
+            <a:pPr algn="ctr"/>
+            <a:endParaRPr lang="zh-CN" altLang="en-US" sz="5400" b="1">
+              <a:solidFill>
+                <a:schemeClr val="bg1"/>
+              </a:solidFill>
+              <a:cs typeface="+mn-ea"/>
+              <a:sym typeface="+mn-lt"/>
+            </a:endParaRPr>
+          </a:p>
+        </p:txBody>
+      </p:sp>
+    </p:spTree>
+    <p:extLst>
+      <p:ext uri="{BB962C8B-B14F-4D97-AF65-F5344CB8AC3E}">
+        <p14:creationId xmlns:p14="http://schemas.microsoft.com/office/powerpoint/2010/main" val="3311597533"/>
+      </p:ext>
+    </p:extLst>
+  </p:cSld>
+  <p:clrMapOvr>
+    <a:masterClrMapping/>
+  </p:clrMapOvr>
+  <mc:AlternateContent xmlns:mc="http://schemas.openxmlformats.org/markup-compatibility/2006" xmlns:p14="http://schemas.microsoft.com/office/powerpoint/2010/main">
+    <mc:Choice Requires="p14">
+      <p:transition spd="slow" p14:dur="1500" advTm="0">
+        <p:random/>
+      </p:transition>
+    </mc:Choice>
+    <mc:Fallback xmlns="">
+      <p:transition spd="slow" advTm="0">
+        <p:random/>
+      </p:transition>
+    </mc:Fallback>
+  </mc:AlternateContent>
+</p:sld>
+</file>
+
+<file path=ppt/slides/slide20.xml><?xml version="1.0" encoding="utf-8"?>
+<p:sld xmlns:a="http://schemas.openxmlformats.org/drawingml/2006/main" xmlns:r="http://schemas.openxmlformats.org/officeDocument/2006/relationships" xmlns:p="http://schemas.openxmlformats.org/presentationml/2006/main">
+  <p:cSld>
+    <p:spTree>
+      <p:nvGrpSpPr>
+        <p:cNvPr id="1" name=""/>
+        <p:cNvGrpSpPr/>
+        <p:nvPr/>
+      </p:nvGrpSpPr>
+      <p:grpSpPr>
+        <a:xfrm>
+          <a:off x="0" y="0"/>
+          <a:ext cx="0" cy="0"/>
+          <a:chOff x="0" y="0"/>
+          <a:chExt cx="0" cy="0"/>
+        </a:xfrm>
+      </p:grpSpPr>
+      <p:sp>
+        <p:nvSpPr>
+          <p:cNvPr id="2" name="标题 1">
+            <a:extLst>
+              <a:ext uri="{FF2B5EF4-FFF2-40B4-BE49-F238E27FC236}">
+                <a16:creationId xmlns:a16="http://schemas.microsoft.com/office/drawing/2014/main" id="{E07038C4-B947-4097-9E1F-E952A2FCEF86}"/>
+              </a:ext>
+            </a:extLst>
+          </p:cNvPr>
+          <p:cNvSpPr>
+            <a:spLocks noGrp="1"/>
+          </p:cNvSpPr>
+          <p:nvPr>
+            <p:ph type="title"/>
+          </p:nvPr>
+        </p:nvSpPr>
+        <p:spPr/>
+        <p:txBody>
+          <a:bodyPr/>
+          <a:lstStyle/>
+          <a:p>
+            <a:r>
+              <a:rPr lang="zh-CN" altLang="en-US" dirty="0"/>
+              <a:t>用例图</a:t>
+            </a:r>
+          </a:p>
+        </p:txBody>
+      </p:sp>
+      <p:pic>
+        <p:nvPicPr>
+          <p:cNvPr id="4" name="图片 3">
+            <a:extLst>
+              <a:ext uri="{FF2B5EF4-FFF2-40B4-BE49-F238E27FC236}">
+                <a16:creationId xmlns:a16="http://schemas.microsoft.com/office/drawing/2014/main" id="{F9C1BBE9-D585-4BC7-845C-2407EFDAD67C}"/>
+              </a:ext>
+            </a:extLst>
+          </p:cNvPr>
+          <p:cNvPicPr>
+            <a:picLocks noChangeAspect="1"/>
+          </p:cNvPicPr>
+          <p:nvPr/>
+        </p:nvPicPr>
+        <p:blipFill>
+          <a:blip r:embed="rId2">
+            <a:extLst>
+              <a:ext uri="{28A0092B-C50C-407E-A947-70E740481C1C}">
+                <a14:useLocalDpi xmlns:a14="http://schemas.microsoft.com/office/drawing/2010/main" val="0"/>
+              </a:ext>
+            </a:extLst>
+          </a:blip>
+          <a:stretch>
+            <a:fillRect/>
+          </a:stretch>
+        </p:blipFill>
+        <p:spPr>
+          <a:xfrm>
+            <a:off x="355600" y="919843"/>
+            <a:ext cx="11468100" cy="5868760"/>
+          </a:xfrm>
+          <a:prstGeom prst="rect">
+            <a:avLst/>
+          </a:prstGeom>
+        </p:spPr>
+      </p:pic>
+    </p:spTree>
+    <p:extLst>
+      <p:ext uri="{BB962C8B-B14F-4D97-AF65-F5344CB8AC3E}">
+        <p14:creationId xmlns:p14="http://schemas.microsoft.com/office/powerpoint/2010/main" val="373065879"/>
+      </p:ext>
+    </p:extLst>
+  </p:cSld>
+  <p:clrMapOvr>
+    <a:masterClrMapping/>
+  </p:clrMapOvr>
+  <mc:AlternateContent xmlns:mc="http://schemas.openxmlformats.org/markup-compatibility/2006" xmlns:p14="http://schemas.microsoft.com/office/powerpoint/2010/main">
+    <mc:Choice Requires="p14">
+      <p:transition spd="slow" p14:dur="1500" advTm="0">
+        <p:random/>
+      </p:transition>
+    </mc:Choice>
+    <mc:Fallback xmlns="">
+      <p:transition spd="slow" advTm="0">
+        <p:random/>
+      </p:transition>
+    </mc:Fallback>
+  </mc:AlternateContent>
+</p:sld>
+</file>
+
+<file path=ppt/slides/slide21.xml><?xml version="1.0" encoding="utf-8"?>
+<p:sld xmlns:a="http://schemas.openxmlformats.org/drawingml/2006/main" xmlns:r="http://schemas.openxmlformats.org/officeDocument/2006/relationships" xmlns:p="http://schemas.openxmlformats.org/presentationml/2006/main">
+  <p:cSld>
+    <p:spTree>
+      <p:nvGrpSpPr>
+        <p:cNvPr id="1" name=""/>
+        <p:cNvGrpSpPr/>
+        <p:nvPr/>
+      </p:nvGrpSpPr>
+      <p:grpSpPr>
+        <a:xfrm>
+          <a:off x="0" y="0"/>
+          <a:ext cx="0" cy="0"/>
+          <a:chOff x="0" y="0"/>
+          <a:chExt cx="0" cy="0"/>
+        </a:xfrm>
+      </p:grpSpPr>
+      <p:sp>
+        <p:nvSpPr>
+          <p:cNvPr id="2" name="标题 1">
+            <a:extLst>
+              <a:ext uri="{FF2B5EF4-FFF2-40B4-BE49-F238E27FC236}">
+                <a16:creationId xmlns:a16="http://schemas.microsoft.com/office/drawing/2014/main" id="{E07038C4-B947-4097-9E1F-E952A2FCEF86}"/>
+              </a:ext>
+            </a:extLst>
+          </p:cNvPr>
+          <p:cNvSpPr>
+            <a:spLocks noGrp="1"/>
+          </p:cNvSpPr>
+          <p:nvPr>
+            <p:ph type="title"/>
+          </p:nvPr>
+        </p:nvSpPr>
+        <p:spPr/>
+        <p:txBody>
+          <a:bodyPr/>
+          <a:lstStyle/>
+          <a:p>
+            <a:r>
+              <a:rPr lang="zh-CN" altLang="en-US" dirty="0"/>
+              <a:t>活动图</a:t>
+            </a:r>
+          </a:p>
+        </p:txBody>
+      </p:sp>
+      <p:pic>
+        <p:nvPicPr>
+          <p:cNvPr id="4" name="图片 3">
+            <a:extLst>
+              <a:ext uri="{FF2B5EF4-FFF2-40B4-BE49-F238E27FC236}">
+                <a16:creationId xmlns:a16="http://schemas.microsoft.com/office/drawing/2014/main" id="{DF102ACD-1261-4D38-9AC1-87A3840CAB7D}"/>
+              </a:ext>
+            </a:extLst>
+          </p:cNvPr>
+          <p:cNvPicPr>
+            <a:picLocks noChangeAspect="1"/>
+          </p:cNvPicPr>
+          <p:nvPr/>
+        </p:nvPicPr>
+        <p:blipFill>
+          <a:blip r:embed="rId2">
+            <a:extLst>
+              <a:ext uri="{28A0092B-C50C-407E-A947-70E740481C1C}">
+                <a14:useLocalDpi xmlns:a14="http://schemas.microsoft.com/office/drawing/2010/main" val="0"/>
+              </a:ext>
+            </a:extLst>
+          </a:blip>
+          <a:stretch>
+            <a:fillRect/>
+          </a:stretch>
+        </p:blipFill>
+        <p:spPr>
+          <a:xfrm>
+            <a:off x="913856" y="856538"/>
+            <a:ext cx="10325644" cy="6001462"/>
+          </a:xfrm>
+          <a:prstGeom prst="rect">
+            <a:avLst/>
+          </a:prstGeom>
+        </p:spPr>
+      </p:pic>
+    </p:spTree>
+    <p:extLst>
+      <p:ext uri="{BB962C8B-B14F-4D97-AF65-F5344CB8AC3E}">
+        <p14:creationId xmlns:p14="http://schemas.microsoft.com/office/powerpoint/2010/main" val="1029031172"/>
+      </p:ext>
+    </p:extLst>
+  </p:cSld>
+  <p:clrMapOvr>
+    <a:masterClrMapping/>
+  </p:clrMapOvr>
+  <mc:AlternateContent xmlns:mc="http://schemas.openxmlformats.org/markup-compatibility/2006" xmlns:p14="http://schemas.microsoft.com/office/powerpoint/2010/main">
+    <mc:Choice Requires="p14">
+      <p:transition spd="slow" p14:dur="1500" advTm="0">
+        <p:random/>
+      </p:transition>
+    </mc:Choice>
+    <mc:Fallback xmlns="">
+      <p:transition spd="slow" advTm="0">
+        <p:random/>
+      </p:transition>
+    </mc:Fallback>
+  </mc:AlternateContent>
+</p:sld>
+</file>
+
+<file path=ppt/slides/slide22.xml><?xml version="1.0" encoding="utf-8"?>
 <p:sld xmlns:a="http://schemas.openxmlformats.org/drawingml/2006/main" xmlns:r="http://schemas.openxmlformats.org/officeDocument/2006/relationships" xmlns:p="http://schemas.openxmlformats.org/presentationml/2006/main">
   <p:cSld>
     <p:spTree>
@@ -5953,8 +7994,8 @@
         </p:nvSpPr>
         <p:spPr>
           <a:xfrm>
-            <a:off x="4529185" y="4579965"/>
-            <a:ext cx="4184286" cy="1754326"/>
+            <a:off x="4183109" y="4230012"/>
+            <a:ext cx="5541915" cy="1754326"/>
           </a:xfrm>
           <a:prstGeom prst="rect">
             <a:avLst/>
@@ -5983,7 +8024,7 @@
                 <a:cs typeface="+mn-ea"/>
                 <a:sym typeface="+mn-lt"/>
               </a:rPr>
-              <a:t>预期开发计划</a:t>
+              <a:t>本次工作流程及预期开发计划</a:t>
             </a:r>
           </a:p>
         </p:txBody>
@@ -6178,7 +8219,7 @@
 </p:sld>
 </file>
 
-<file path=ppt/slides/slide19.xml><?xml version="1.0" encoding="utf-8"?>
+<file path=ppt/slides/slide23.xml><?xml version="1.0" encoding="utf-8"?>
 <p:sld xmlns:a="http://schemas.openxmlformats.org/drawingml/2006/main" xmlns:r="http://schemas.openxmlformats.org/officeDocument/2006/relationships" xmlns:p="http://schemas.openxmlformats.org/presentationml/2006/main">
   <p:cSld>
     <p:spTree>
@@ -6216,10 +8257,49 @@
           <a:bodyPr/>
           <a:lstStyle/>
           <a:p>
-            <a:endParaRPr lang="zh-CN" altLang="en-US" dirty="0"/>
-          </a:p>
-        </p:txBody>
-      </p:sp>
+            <a:r>
+              <a:rPr lang="zh-CN" altLang="en-US" dirty="0"/>
+              <a:t>本次工作流程</a:t>
+            </a:r>
+          </a:p>
+        </p:txBody>
+      </p:sp>
+      <p:pic>
+        <p:nvPicPr>
+          <p:cNvPr id="4" name="图片 3">
+            <a:extLst>
+              <a:ext uri="{FF2B5EF4-FFF2-40B4-BE49-F238E27FC236}">
+                <a16:creationId xmlns:a16="http://schemas.microsoft.com/office/drawing/2014/main" id="{77DE6B53-19DA-49FF-95AF-995F19018F6D}"/>
+              </a:ext>
+            </a:extLst>
+          </p:cNvPr>
+          <p:cNvPicPr>
+            <a:picLocks noChangeAspect="1"/>
+          </p:cNvPicPr>
+          <p:nvPr/>
+        </p:nvPicPr>
+        <p:blipFill>
+          <a:blip r:embed="rId2">
+            <a:extLst>
+              <a:ext uri="{28A0092B-C50C-407E-A947-70E740481C1C}">
+                <a14:useLocalDpi xmlns:a14="http://schemas.microsoft.com/office/drawing/2010/main" val="0"/>
+              </a:ext>
+            </a:extLst>
+          </a:blip>
+          <a:stretch>
+            <a:fillRect/>
+          </a:stretch>
+        </p:blipFill>
+        <p:spPr>
+          <a:xfrm>
+            <a:off x="228600" y="984979"/>
+            <a:ext cx="11610975" cy="5873021"/>
+          </a:xfrm>
+          <a:prstGeom prst="rect">
+            <a:avLst/>
+          </a:prstGeom>
+        </p:spPr>
+      </p:pic>
     </p:spTree>
     <p:extLst>
       <p:ext uri="{BB962C8B-B14F-4D97-AF65-F5344CB8AC3E}">
@@ -6245,7 +8325,7 @@
 </p:sld>
 </file>
 
-<file path=ppt/slides/slide2.xml><?xml version="1.0" encoding="utf-8"?>
+<file path=ppt/slides/slide24.xml><?xml version="1.0" encoding="utf-8"?>
 <p:sld xmlns:a="http://schemas.openxmlformats.org/drawingml/2006/main" xmlns:r="http://schemas.openxmlformats.org/officeDocument/2006/relationships" xmlns:p="http://schemas.openxmlformats.org/presentationml/2006/main">
   <p:cSld>
     <p:spTree>
@@ -6264,813 +8344,522 @@
       </p:grpSpPr>
       <p:sp>
         <p:nvSpPr>
-          <p:cNvPr id="11" name="文本框 10">
-            <a:extLst>
-              <a:ext uri="{FF2B5EF4-FFF2-40B4-BE49-F238E27FC236}">
-                <a16:creationId xmlns:a16="http://schemas.microsoft.com/office/drawing/2014/main" id="{CCFF3163-6411-4E72-80BE-6DA15799316C}"/>
-              </a:ext>
-            </a:extLst>
-          </p:cNvPr>
-          <p:cNvSpPr txBox="1"/>
-          <p:nvPr/>
-        </p:nvSpPr>
-        <p:spPr>
-          <a:xfrm>
-            <a:off x="4986795" y="970172"/>
-            <a:ext cx="5389657" cy="577850"/>
-          </a:xfrm>
-          <a:prstGeom prst="rect">
-            <a:avLst/>
-          </a:prstGeom>
-          <a:noFill/>
-        </p:spPr>
-        <p:txBody>
-          <a:bodyPr wrap="square" rtlCol="0">
-            <a:spAutoFit/>
-          </a:bodyPr>
+          <p:cNvPr id="2" name="标题 1">
+            <a:extLst>
+              <a:ext uri="{FF2B5EF4-FFF2-40B4-BE49-F238E27FC236}">
+                <a16:creationId xmlns:a16="http://schemas.microsoft.com/office/drawing/2014/main" id="{E07038C4-B947-4097-9E1F-E952A2FCEF86}"/>
+              </a:ext>
+            </a:extLst>
+          </p:cNvPr>
+          <p:cNvSpPr>
+            <a:spLocks noGrp="1"/>
+          </p:cNvSpPr>
+          <p:nvPr>
+            <p:ph type="title"/>
+          </p:nvPr>
+        </p:nvSpPr>
+        <p:spPr/>
+        <p:txBody>
+          <a:bodyPr/>
           <a:lstStyle/>
           <a:p>
-            <a:pPr>
-              <a:lnSpc>
-                <a:spcPct val="150000"/>
-              </a:lnSpc>
-            </a:pPr>
-            <a:r>
-              <a:rPr lang="en-US" altLang="zh-CN" sz="2400" dirty="0">
-                <a:solidFill>
-                  <a:schemeClr val="tx1">
-                    <a:lumMod val="50000"/>
-                    <a:lumOff val="50000"/>
-                  </a:schemeClr>
-                </a:solidFill>
-                <a:cs typeface="+mn-ea"/>
-                <a:sym typeface="+mn-lt"/>
-              </a:rPr>
-              <a:t>1.</a:t>
-            </a:r>
-            <a:r>
-              <a:rPr lang="zh-CN" altLang="en-US" sz="2400" dirty="0">
-                <a:solidFill>
-                  <a:schemeClr val="tx1">
-                    <a:lumMod val="50000"/>
-                    <a:lumOff val="50000"/>
-                  </a:schemeClr>
-                </a:solidFill>
-                <a:cs typeface="+mn-ea"/>
-                <a:sym typeface="+mn-lt"/>
-              </a:rPr>
-              <a:t>系统设计说明</a:t>
-            </a:r>
-          </a:p>
-        </p:txBody>
-      </p:sp>
-      <p:sp>
-        <p:nvSpPr>
-          <p:cNvPr id="14" name="文本框 13">
-            <a:extLst>
-              <a:ext uri="{FF2B5EF4-FFF2-40B4-BE49-F238E27FC236}">
-                <a16:creationId xmlns:a16="http://schemas.microsoft.com/office/drawing/2014/main" id="{84FEC30F-B0F3-40BC-934D-C76F61789D7C}"/>
-              </a:ext>
-            </a:extLst>
-          </p:cNvPr>
-          <p:cNvSpPr txBox="1"/>
-          <p:nvPr/>
-        </p:nvSpPr>
-        <p:spPr>
-          <a:xfrm>
-            <a:off x="5318168" y="1893435"/>
-            <a:ext cx="4384675" cy="590033"/>
-          </a:xfrm>
-          <a:prstGeom prst="rect">
-            <a:avLst/>
-          </a:prstGeom>
-          <a:noFill/>
-        </p:spPr>
-        <p:txBody>
-          <a:bodyPr wrap="square" rtlCol="0">
-            <a:spAutoFit/>
-          </a:bodyPr>
-          <a:lstStyle/>
-          <a:p>
-            <a:pPr algn="l">
-              <a:lnSpc>
-                <a:spcPct val="150000"/>
-              </a:lnSpc>
-            </a:pPr>
-            <a:r>
-              <a:rPr lang="en-US" altLang="zh-CN" sz="2400" dirty="0">
-                <a:solidFill>
-                  <a:schemeClr val="tx1">
-                    <a:lumMod val="50000"/>
-                    <a:lumOff val="50000"/>
-                  </a:schemeClr>
-                </a:solidFill>
-                <a:cs typeface="+mn-ea"/>
-                <a:sym typeface="+mn-lt"/>
-              </a:rPr>
-              <a:t>2.</a:t>
-            </a:r>
-            <a:r>
-              <a:rPr lang="zh-CN" altLang="en-US" sz="2400" dirty="0">
-                <a:solidFill>
-                  <a:schemeClr val="tx1">
-                    <a:lumMod val="50000"/>
-                    <a:lumOff val="50000"/>
-                  </a:schemeClr>
-                </a:solidFill>
-                <a:cs typeface="+mn-ea"/>
-                <a:sym typeface="+mn-lt"/>
-              </a:rPr>
-              <a:t>数据库设计说明</a:t>
-            </a:r>
-          </a:p>
-        </p:txBody>
-      </p:sp>
-      <p:sp>
-        <p:nvSpPr>
-          <p:cNvPr id="17" name="文本框 16">
-            <a:extLst>
-              <a:ext uri="{FF2B5EF4-FFF2-40B4-BE49-F238E27FC236}">
-                <a16:creationId xmlns:a16="http://schemas.microsoft.com/office/drawing/2014/main" id="{517E56E2-BBE8-4710-8B07-CCC776EE77F4}"/>
-              </a:ext>
-            </a:extLst>
-          </p:cNvPr>
-          <p:cNvSpPr txBox="1"/>
-          <p:nvPr/>
-        </p:nvSpPr>
-        <p:spPr>
-          <a:xfrm>
-            <a:off x="5489285" y="2907299"/>
-            <a:ext cx="4384675" cy="590033"/>
-          </a:xfrm>
-          <a:prstGeom prst="rect">
-            <a:avLst/>
-          </a:prstGeom>
-          <a:noFill/>
-        </p:spPr>
-        <p:txBody>
-          <a:bodyPr wrap="square" rtlCol="0">
-            <a:spAutoFit/>
-          </a:bodyPr>
-          <a:lstStyle/>
-          <a:p>
-            <a:pPr algn="l">
-              <a:lnSpc>
-                <a:spcPct val="150000"/>
-              </a:lnSpc>
-            </a:pPr>
-            <a:r>
-              <a:rPr lang="en-US" altLang="zh-CN" sz="2400" dirty="0">
-                <a:solidFill>
-                  <a:schemeClr val="tx1">
-                    <a:lumMod val="50000"/>
-                    <a:lumOff val="50000"/>
-                  </a:schemeClr>
-                </a:solidFill>
-                <a:cs typeface="+mn-ea"/>
-                <a:sym typeface="+mn-lt"/>
-              </a:rPr>
-              <a:t>3.</a:t>
-            </a:r>
-            <a:r>
-              <a:rPr lang="zh-CN" altLang="en-US" sz="2400" dirty="0">
-                <a:solidFill>
-                  <a:schemeClr val="tx1">
-                    <a:lumMod val="50000"/>
-                    <a:lumOff val="50000"/>
-                  </a:schemeClr>
-                </a:solidFill>
-                <a:cs typeface="+mn-ea"/>
-                <a:sym typeface="+mn-lt"/>
-              </a:rPr>
-              <a:t>项目改进</a:t>
-            </a:r>
-          </a:p>
-        </p:txBody>
-      </p:sp>
-      <p:sp>
-        <p:nvSpPr>
-          <p:cNvPr id="20" name="文本框 19">
-            <a:extLst>
-              <a:ext uri="{FF2B5EF4-FFF2-40B4-BE49-F238E27FC236}">
-                <a16:creationId xmlns:a16="http://schemas.microsoft.com/office/drawing/2014/main" id="{E392B873-1FB4-41D7-96E2-DC0CF3EDA4AF}"/>
-              </a:ext>
-            </a:extLst>
-          </p:cNvPr>
-          <p:cNvSpPr txBox="1"/>
-          <p:nvPr/>
-        </p:nvSpPr>
-        <p:spPr>
-          <a:xfrm>
-            <a:off x="5318168" y="3943484"/>
-            <a:ext cx="4384675" cy="588110"/>
-          </a:xfrm>
-          <a:prstGeom prst="rect">
-            <a:avLst/>
-          </a:prstGeom>
-          <a:noFill/>
-        </p:spPr>
-        <p:txBody>
-          <a:bodyPr wrap="square" rtlCol="0">
-            <a:spAutoFit/>
-          </a:bodyPr>
-          <a:lstStyle/>
-          <a:p>
-            <a:pPr>
-              <a:lnSpc>
-                <a:spcPct val="150000"/>
-              </a:lnSpc>
-            </a:pPr>
-            <a:r>
-              <a:rPr lang="en-US" altLang="zh-CN" sz="2400" dirty="0">
-                <a:solidFill>
-                  <a:schemeClr val="tx1">
-                    <a:lumMod val="50000"/>
-                    <a:lumOff val="50000"/>
-                  </a:schemeClr>
-                </a:solidFill>
-                <a:cs typeface="+mn-ea"/>
-                <a:sym typeface="+mn-lt"/>
-              </a:rPr>
-              <a:t>4.UML</a:t>
-            </a:r>
-            <a:r>
-              <a:rPr lang="zh-CN" altLang="en-US" sz="2400" dirty="0">
-                <a:solidFill>
-                  <a:schemeClr val="tx1">
-                    <a:lumMod val="50000"/>
-                    <a:lumOff val="50000"/>
-                  </a:schemeClr>
-                </a:solidFill>
-                <a:cs typeface="+mn-ea"/>
-                <a:sym typeface="+mn-lt"/>
-              </a:rPr>
-              <a:t>图改进</a:t>
-            </a:r>
-          </a:p>
-        </p:txBody>
-      </p:sp>
-      <p:sp>
-        <p:nvSpPr>
-          <p:cNvPr id="33" name="文本框 32">
-            <a:extLst>
-              <a:ext uri="{FF2B5EF4-FFF2-40B4-BE49-F238E27FC236}">
-                <a16:creationId xmlns:a16="http://schemas.microsoft.com/office/drawing/2014/main" id="{841E2B21-F567-43EA-BD19-BF8C0D75164C}"/>
-              </a:ext>
-            </a:extLst>
-          </p:cNvPr>
-          <p:cNvSpPr txBox="1"/>
-          <p:nvPr/>
-        </p:nvSpPr>
-        <p:spPr>
-          <a:xfrm>
-            <a:off x="4986795" y="4833866"/>
-            <a:ext cx="4384675" cy="588110"/>
-          </a:xfrm>
-          <a:prstGeom prst="rect">
-            <a:avLst/>
-          </a:prstGeom>
-          <a:noFill/>
-        </p:spPr>
-        <p:txBody>
-          <a:bodyPr wrap="square" rtlCol="0">
-            <a:spAutoFit/>
-          </a:bodyPr>
-          <a:lstStyle/>
-          <a:p>
-            <a:pPr>
-              <a:lnSpc>
-                <a:spcPct val="150000"/>
-              </a:lnSpc>
-            </a:pPr>
-            <a:r>
-              <a:rPr lang="en-US" altLang="zh-CN" sz="2400" dirty="0">
-                <a:solidFill>
-                  <a:schemeClr val="tx1">
-                    <a:lumMod val="50000"/>
-                    <a:lumOff val="50000"/>
-                  </a:schemeClr>
-                </a:solidFill>
-                <a:cs typeface="+mn-ea"/>
-                <a:sym typeface="+mn-lt"/>
-              </a:rPr>
-              <a:t>5.</a:t>
-            </a:r>
-            <a:r>
-              <a:rPr lang="zh-CN" altLang="en-US" sz="2400" dirty="0">
-                <a:solidFill>
-                  <a:schemeClr val="tx1">
-                    <a:lumMod val="50000"/>
-                    <a:lumOff val="50000"/>
-                  </a:schemeClr>
-                </a:solidFill>
-                <a:cs typeface="+mn-ea"/>
-                <a:sym typeface="+mn-lt"/>
-              </a:rPr>
-              <a:t>预期开发计划</a:t>
-            </a:r>
-          </a:p>
-        </p:txBody>
-      </p:sp>
-      <p:sp>
-        <p:nvSpPr>
-          <p:cNvPr id="5" name="椭圆 4">
-            <a:extLst>
-              <a:ext uri="{FF2B5EF4-FFF2-40B4-BE49-F238E27FC236}">
-                <a16:creationId xmlns:a16="http://schemas.microsoft.com/office/drawing/2014/main" id="{CEE8C9C9-F407-4440-B867-5C0621AB9FD0}"/>
-              </a:ext>
-            </a:extLst>
-          </p:cNvPr>
-          <p:cNvSpPr/>
-          <p:nvPr/>
-        </p:nvSpPr>
-        <p:spPr>
-          <a:xfrm>
-            <a:off x="1440125" y="2146064"/>
-            <a:ext cx="2254803" cy="2254803"/>
-          </a:xfrm>
-          <a:prstGeom prst="ellipse">
-            <a:avLst/>
-          </a:prstGeom>
-          <a:solidFill>
-            <a:srgbClr val="0070C0"/>
-          </a:solidFill>
-          <a:ln>
-            <a:noFill/>
-          </a:ln>
-          <a:effectLst>
-            <a:outerShdw blurRad="381000" sx="102000" sy="102000" algn="ctr" rotWithShape="0">
-              <a:prstClr val="black">
-                <a:alpha val="40000"/>
-              </a:prstClr>
-            </a:outerShdw>
-          </a:effectLst>
-        </p:spPr>
-        <p:style>
-          <a:lnRef idx="2">
-            <a:schemeClr val="accent1">
-              <a:shade val="50000"/>
-            </a:schemeClr>
-          </a:lnRef>
-          <a:fillRef idx="1">
-            <a:schemeClr val="accent1"/>
-          </a:fillRef>
-          <a:effectRef idx="0">
-            <a:schemeClr val="accent1"/>
-          </a:effectRef>
-          <a:fontRef idx="minor">
-            <a:schemeClr val="lt1"/>
-          </a:fontRef>
-        </p:style>
-        <p:txBody>
-          <a:bodyPr rot="0" spcFirstLastPara="0" vertOverflow="overflow" horzOverflow="overflow" vert="horz" wrap="square" lIns="91440" tIns="45720" rIns="91440" bIns="45720" numCol="1" spcCol="0" rtlCol="0" fromWordArt="0" anchor="ctr" anchorCtr="0" forceAA="0" compatLnSpc="1">
-            <a:prstTxWarp prst="textNoShape">
-              <a:avLst/>
-            </a:prstTxWarp>
-            <a:noAutofit/>
-          </a:bodyPr>
-          <a:lstStyle/>
-          <a:p>
-            <a:pPr algn="ctr"/>
-            <a:r>
-              <a:rPr lang="zh-CN" altLang="en-US" sz="4000" b="1" dirty="0">
-                <a:solidFill>
-                  <a:schemeClr val="bg1"/>
-                </a:solidFill>
-                <a:cs typeface="+mn-ea"/>
-                <a:sym typeface="+mn-lt"/>
-              </a:rPr>
-              <a:t>目录</a:t>
-            </a:r>
-            <a:endParaRPr lang="en-US" altLang="zh-CN" sz="4000" b="1" dirty="0">
-              <a:solidFill>
-                <a:schemeClr val="bg1"/>
-              </a:solidFill>
-              <a:cs typeface="+mn-ea"/>
-              <a:sym typeface="+mn-lt"/>
-            </a:endParaRPr>
-          </a:p>
-          <a:p>
-            <a:pPr algn="ctr"/>
-            <a:r>
-              <a:rPr lang="en-US" altLang="zh-CN" sz="2000" b="1" dirty="0">
-                <a:solidFill>
-                  <a:schemeClr val="bg1"/>
-                </a:solidFill>
-                <a:cs typeface="+mn-ea"/>
-                <a:sym typeface="+mn-lt"/>
-              </a:rPr>
-              <a:t>contents</a:t>
-            </a:r>
-            <a:endParaRPr lang="zh-CN" altLang="en-US" sz="2000" b="1" dirty="0">
-              <a:solidFill>
-                <a:schemeClr val="bg1"/>
-              </a:solidFill>
-              <a:cs typeface="+mn-ea"/>
-              <a:sym typeface="+mn-lt"/>
-            </a:endParaRPr>
-          </a:p>
-        </p:txBody>
-      </p:sp>
-      <p:sp>
-        <p:nvSpPr>
-          <p:cNvPr id="21" name="新月形 20">
-            <a:extLst>
-              <a:ext uri="{FF2B5EF4-FFF2-40B4-BE49-F238E27FC236}">
-                <a16:creationId xmlns:a16="http://schemas.microsoft.com/office/drawing/2014/main" id="{93B72F51-81DA-4170-946B-AC1B0C425716}"/>
-              </a:ext>
-            </a:extLst>
-          </p:cNvPr>
-          <p:cNvSpPr/>
-          <p:nvPr/>
-        </p:nvSpPr>
-        <p:spPr>
-          <a:xfrm rot="10800000">
-            <a:off x="2731993" y="1018784"/>
-            <a:ext cx="2167879" cy="4335757"/>
-          </a:xfrm>
-          <a:prstGeom prst="moon">
-            <a:avLst>
-              <a:gd name="adj" fmla="val 2111"/>
-            </a:avLst>
-          </a:prstGeom>
-          <a:solidFill>
-            <a:schemeClr val="tx1">
-              <a:lumMod val="50000"/>
-              <a:lumOff val="50000"/>
-            </a:schemeClr>
-          </a:solidFill>
-          <a:ln>
-            <a:noFill/>
-          </a:ln>
-        </p:spPr>
-        <p:style>
-          <a:lnRef idx="2">
-            <a:schemeClr val="accent1">
-              <a:shade val="50000"/>
-            </a:schemeClr>
-          </a:lnRef>
-          <a:fillRef idx="1">
-            <a:schemeClr val="accent1"/>
-          </a:fillRef>
-          <a:effectRef idx="0">
-            <a:schemeClr val="accent1"/>
-          </a:effectRef>
-          <a:fontRef idx="minor">
-            <a:schemeClr val="lt1"/>
-          </a:fontRef>
-        </p:style>
-        <p:txBody>
-          <a:bodyPr rtlCol="0" anchor="ctr"/>
-          <a:lstStyle/>
-          <a:p>
-            <a:pPr algn="ctr"/>
-            <a:endParaRPr lang="zh-CN" altLang="en-US">
-              <a:cs typeface="+mn-ea"/>
-              <a:sym typeface="+mn-lt"/>
-            </a:endParaRPr>
-          </a:p>
-        </p:txBody>
-      </p:sp>
-      <p:sp>
-        <p:nvSpPr>
-          <p:cNvPr id="36" name="椭圆 35">
-            <a:extLst>
-              <a:ext uri="{FF2B5EF4-FFF2-40B4-BE49-F238E27FC236}">
-                <a16:creationId xmlns:a16="http://schemas.microsoft.com/office/drawing/2014/main" id="{0664C580-631D-4563-AB29-41E618B2EECE}"/>
-              </a:ext>
-            </a:extLst>
-          </p:cNvPr>
-          <p:cNvSpPr/>
-          <p:nvPr/>
-        </p:nvSpPr>
-        <p:spPr>
-          <a:xfrm>
-            <a:off x="3612087" y="1203510"/>
-            <a:ext cx="407690" cy="407690"/>
-          </a:xfrm>
-          <a:prstGeom prst="ellipse">
-            <a:avLst/>
-          </a:prstGeom>
-          <a:ln>
-            <a:noFill/>
-          </a:ln>
-          <a:effectLst>
-            <a:outerShdw blurRad="381000" sx="102000" sy="102000" algn="ctr" rotWithShape="0">
-              <a:prstClr val="black">
-                <a:alpha val="40000"/>
-              </a:prstClr>
-            </a:outerShdw>
-          </a:effectLst>
-        </p:spPr>
-        <p:style>
-          <a:lnRef idx="2">
-            <a:schemeClr val="accent1">
-              <a:shade val="50000"/>
-            </a:schemeClr>
-          </a:lnRef>
-          <a:fillRef idx="1">
-            <a:schemeClr val="accent1"/>
-          </a:fillRef>
-          <a:effectRef idx="0">
-            <a:schemeClr val="accent1"/>
-          </a:effectRef>
-          <a:fontRef idx="minor">
-            <a:schemeClr val="lt1"/>
-          </a:fontRef>
-        </p:style>
-        <p:txBody>
-          <a:bodyPr rot="0" spcFirstLastPara="0" vertOverflow="overflow" horzOverflow="overflow" vert="horz" wrap="square" lIns="91440" tIns="45720" rIns="91440" bIns="45720" numCol="1" spcCol="0" rtlCol="0" fromWordArt="0" anchor="ctr" anchorCtr="0" forceAA="0" compatLnSpc="1">
-            <a:prstTxWarp prst="textNoShape">
-              <a:avLst/>
-            </a:prstTxWarp>
-            <a:noAutofit/>
-          </a:bodyPr>
-          <a:lstStyle/>
-          <a:p>
-            <a:pPr algn="ctr"/>
-            <a:endParaRPr lang="zh-CN" altLang="en-US" sz="5400" b="1">
-              <a:solidFill>
-                <a:schemeClr val="bg1"/>
-              </a:solidFill>
-              <a:cs typeface="+mn-ea"/>
-              <a:sym typeface="+mn-lt"/>
-            </a:endParaRPr>
-          </a:p>
-        </p:txBody>
-      </p:sp>
-      <p:sp>
-        <p:nvSpPr>
-          <p:cNvPr id="37" name="椭圆 36">
-            <a:extLst>
-              <a:ext uri="{FF2B5EF4-FFF2-40B4-BE49-F238E27FC236}">
-                <a16:creationId xmlns:a16="http://schemas.microsoft.com/office/drawing/2014/main" id="{6F5B0D39-6865-4069-B853-342652A0DEF1}"/>
-              </a:ext>
-            </a:extLst>
-          </p:cNvPr>
-          <p:cNvSpPr/>
-          <p:nvPr/>
-        </p:nvSpPr>
-        <p:spPr>
-          <a:xfrm>
-            <a:off x="4414800" y="2026459"/>
-            <a:ext cx="407690" cy="407690"/>
-          </a:xfrm>
-          <a:prstGeom prst="ellipse">
-            <a:avLst/>
-          </a:prstGeom>
-          <a:ln>
-            <a:noFill/>
-          </a:ln>
-          <a:effectLst>
-            <a:outerShdw blurRad="381000" sx="102000" sy="102000" algn="ctr" rotWithShape="0">
-              <a:prstClr val="black">
-                <a:alpha val="40000"/>
-              </a:prstClr>
-            </a:outerShdw>
-          </a:effectLst>
-        </p:spPr>
-        <p:style>
-          <a:lnRef idx="2">
-            <a:schemeClr val="accent1">
-              <a:shade val="50000"/>
-            </a:schemeClr>
-          </a:lnRef>
-          <a:fillRef idx="1">
-            <a:schemeClr val="accent1"/>
-          </a:fillRef>
-          <a:effectRef idx="0">
-            <a:schemeClr val="accent1"/>
-          </a:effectRef>
-          <a:fontRef idx="minor">
-            <a:schemeClr val="lt1"/>
-          </a:fontRef>
-        </p:style>
-        <p:txBody>
-          <a:bodyPr rot="0" spcFirstLastPara="0" vertOverflow="overflow" horzOverflow="overflow" vert="horz" wrap="square" lIns="91440" tIns="45720" rIns="91440" bIns="45720" numCol="1" spcCol="0" rtlCol="0" fromWordArt="0" anchor="ctr" anchorCtr="0" forceAA="0" compatLnSpc="1">
-            <a:prstTxWarp prst="textNoShape">
-              <a:avLst/>
-            </a:prstTxWarp>
-            <a:noAutofit/>
-          </a:bodyPr>
-          <a:lstStyle/>
-          <a:p>
-            <a:pPr algn="ctr"/>
-            <a:endParaRPr lang="zh-CN" altLang="en-US" sz="5400" b="1">
-              <a:solidFill>
-                <a:schemeClr val="bg1"/>
-              </a:solidFill>
-              <a:cs typeface="+mn-ea"/>
-              <a:sym typeface="+mn-lt"/>
-            </a:endParaRPr>
-          </a:p>
-        </p:txBody>
-      </p:sp>
-      <p:sp>
-        <p:nvSpPr>
-          <p:cNvPr id="38" name="椭圆 37">
-            <a:extLst>
-              <a:ext uri="{FF2B5EF4-FFF2-40B4-BE49-F238E27FC236}">
-                <a16:creationId xmlns:a16="http://schemas.microsoft.com/office/drawing/2014/main" id="{6D47D87C-876F-4A41-9D70-9FCEA2706995}"/>
-              </a:ext>
-            </a:extLst>
-          </p:cNvPr>
-          <p:cNvSpPr/>
-          <p:nvPr/>
-        </p:nvSpPr>
-        <p:spPr>
-          <a:xfrm>
-            <a:off x="4608201" y="3044613"/>
-            <a:ext cx="407690" cy="407690"/>
-          </a:xfrm>
-          <a:prstGeom prst="ellipse">
-            <a:avLst/>
-          </a:prstGeom>
-          <a:ln>
-            <a:noFill/>
-          </a:ln>
-          <a:effectLst>
-            <a:outerShdw blurRad="381000" sx="102000" sy="102000" algn="ctr" rotWithShape="0">
-              <a:prstClr val="black">
-                <a:alpha val="40000"/>
-              </a:prstClr>
-            </a:outerShdw>
-          </a:effectLst>
-        </p:spPr>
-        <p:style>
-          <a:lnRef idx="2">
-            <a:schemeClr val="accent1">
-              <a:shade val="50000"/>
-            </a:schemeClr>
-          </a:lnRef>
-          <a:fillRef idx="1">
-            <a:schemeClr val="accent1"/>
-          </a:fillRef>
-          <a:effectRef idx="0">
-            <a:schemeClr val="accent1"/>
-          </a:effectRef>
-          <a:fontRef idx="minor">
-            <a:schemeClr val="lt1"/>
-          </a:fontRef>
-        </p:style>
-        <p:txBody>
-          <a:bodyPr rot="0" spcFirstLastPara="0" vertOverflow="overflow" horzOverflow="overflow" vert="horz" wrap="square" lIns="91440" tIns="45720" rIns="91440" bIns="45720" numCol="1" spcCol="0" rtlCol="0" fromWordArt="0" anchor="ctr" anchorCtr="0" forceAA="0" compatLnSpc="1">
-            <a:prstTxWarp prst="textNoShape">
-              <a:avLst/>
-            </a:prstTxWarp>
-            <a:noAutofit/>
-          </a:bodyPr>
-          <a:lstStyle/>
-          <a:p>
-            <a:pPr algn="ctr"/>
-            <a:endParaRPr lang="zh-CN" altLang="en-US" sz="5400" b="1">
-              <a:solidFill>
-                <a:schemeClr val="bg1"/>
-              </a:solidFill>
-              <a:cs typeface="+mn-ea"/>
-              <a:sym typeface="+mn-lt"/>
-            </a:endParaRPr>
-          </a:p>
-        </p:txBody>
-      </p:sp>
-      <p:sp>
-        <p:nvSpPr>
-          <p:cNvPr id="39" name="椭圆 38">
-            <a:extLst>
-              <a:ext uri="{FF2B5EF4-FFF2-40B4-BE49-F238E27FC236}">
-                <a16:creationId xmlns:a16="http://schemas.microsoft.com/office/drawing/2014/main" id="{52F951E6-8F5C-4F0E-BADA-8A610EA8D7A8}"/>
-              </a:ext>
-            </a:extLst>
-          </p:cNvPr>
-          <p:cNvSpPr/>
-          <p:nvPr/>
-        </p:nvSpPr>
-        <p:spPr>
-          <a:xfrm>
-            <a:off x="4390303" y="4062767"/>
-            <a:ext cx="407690" cy="407690"/>
-          </a:xfrm>
-          <a:prstGeom prst="ellipse">
-            <a:avLst/>
-          </a:prstGeom>
-          <a:ln>
-            <a:noFill/>
-          </a:ln>
-          <a:effectLst>
-            <a:outerShdw blurRad="381000" sx="102000" sy="102000" algn="ctr" rotWithShape="0">
-              <a:prstClr val="black">
-                <a:alpha val="40000"/>
-              </a:prstClr>
-            </a:outerShdw>
-          </a:effectLst>
-        </p:spPr>
-        <p:style>
-          <a:lnRef idx="2">
-            <a:schemeClr val="accent1">
-              <a:shade val="50000"/>
-            </a:schemeClr>
-          </a:lnRef>
-          <a:fillRef idx="1">
-            <a:schemeClr val="accent1"/>
-          </a:fillRef>
-          <a:effectRef idx="0">
-            <a:schemeClr val="accent1"/>
-          </a:effectRef>
-          <a:fontRef idx="minor">
-            <a:schemeClr val="lt1"/>
-          </a:fontRef>
-        </p:style>
-        <p:txBody>
-          <a:bodyPr rot="0" spcFirstLastPara="0" vertOverflow="overflow" horzOverflow="overflow" vert="horz" wrap="square" lIns="91440" tIns="45720" rIns="91440" bIns="45720" numCol="1" spcCol="0" rtlCol="0" fromWordArt="0" anchor="ctr" anchorCtr="0" forceAA="0" compatLnSpc="1">
-            <a:prstTxWarp prst="textNoShape">
-              <a:avLst/>
-            </a:prstTxWarp>
-            <a:noAutofit/>
-          </a:bodyPr>
-          <a:lstStyle/>
-          <a:p>
-            <a:pPr algn="ctr"/>
-            <a:endParaRPr lang="zh-CN" altLang="en-US" sz="5400" b="1">
-              <a:solidFill>
-                <a:schemeClr val="bg1"/>
-              </a:solidFill>
-              <a:cs typeface="+mn-ea"/>
-              <a:sym typeface="+mn-lt"/>
-            </a:endParaRPr>
-          </a:p>
-        </p:txBody>
-      </p:sp>
-      <p:sp>
-        <p:nvSpPr>
-          <p:cNvPr id="40" name="椭圆 39">
-            <a:extLst>
-              <a:ext uri="{FF2B5EF4-FFF2-40B4-BE49-F238E27FC236}">
-                <a16:creationId xmlns:a16="http://schemas.microsoft.com/office/drawing/2014/main" id="{F230E8A9-55E6-4DB0-83DC-2AA7426368DC}"/>
-              </a:ext>
-            </a:extLst>
-          </p:cNvPr>
-          <p:cNvSpPr/>
-          <p:nvPr/>
-        </p:nvSpPr>
-        <p:spPr>
-          <a:xfrm>
-            <a:off x="3621575" y="4858198"/>
-            <a:ext cx="407690" cy="407690"/>
-          </a:xfrm>
-          <a:prstGeom prst="ellipse">
-            <a:avLst/>
-          </a:prstGeom>
-          <a:ln>
-            <a:noFill/>
-          </a:ln>
-          <a:effectLst>
-            <a:outerShdw blurRad="381000" sx="102000" sy="102000" algn="ctr" rotWithShape="0">
-              <a:prstClr val="black">
-                <a:alpha val="40000"/>
-              </a:prstClr>
-            </a:outerShdw>
-          </a:effectLst>
-        </p:spPr>
-        <p:style>
-          <a:lnRef idx="2">
-            <a:schemeClr val="accent1">
-              <a:shade val="50000"/>
-            </a:schemeClr>
-          </a:lnRef>
-          <a:fillRef idx="1">
-            <a:schemeClr val="accent1"/>
-          </a:fillRef>
-          <a:effectRef idx="0">
-            <a:schemeClr val="accent1"/>
-          </a:effectRef>
-          <a:fontRef idx="minor">
-            <a:schemeClr val="lt1"/>
-          </a:fontRef>
-        </p:style>
-        <p:txBody>
-          <a:bodyPr rot="0" spcFirstLastPara="0" vertOverflow="overflow" horzOverflow="overflow" vert="horz" wrap="square" lIns="91440" tIns="45720" rIns="91440" bIns="45720" numCol="1" spcCol="0" rtlCol="0" fromWordArt="0" anchor="ctr" anchorCtr="0" forceAA="0" compatLnSpc="1">
-            <a:prstTxWarp prst="textNoShape">
-              <a:avLst/>
-            </a:prstTxWarp>
-            <a:noAutofit/>
-          </a:bodyPr>
-          <a:lstStyle/>
-          <a:p>
-            <a:pPr algn="ctr"/>
-            <a:endParaRPr lang="zh-CN" altLang="en-US" sz="5400" b="1">
-              <a:solidFill>
-                <a:schemeClr val="bg1"/>
-              </a:solidFill>
-              <a:cs typeface="+mn-ea"/>
-              <a:sym typeface="+mn-lt"/>
-            </a:endParaRPr>
-          </a:p>
-        </p:txBody>
-      </p:sp>
+            <a:r>
+              <a:rPr lang="zh-CN" altLang="en-US" dirty="0"/>
+              <a:t>分工及贡献比</a:t>
+            </a:r>
+          </a:p>
+        </p:txBody>
+      </p:sp>
+      <p:graphicFrame>
+        <p:nvGraphicFramePr>
+          <p:cNvPr id="3" name="表格 3">
+            <a:extLst>
+              <a:ext uri="{FF2B5EF4-FFF2-40B4-BE49-F238E27FC236}">
+                <a16:creationId xmlns:a16="http://schemas.microsoft.com/office/drawing/2014/main" id="{7AE18B81-7F2A-42B6-AA25-313F1F5C298A}"/>
+              </a:ext>
+            </a:extLst>
+          </p:cNvPr>
+          <p:cNvGraphicFramePr>
+            <a:graphicFrameLocks noGrp="1"/>
+          </p:cNvGraphicFramePr>
+          <p:nvPr>
+            <p:extLst>
+              <p:ext uri="{D42A27DB-BD31-4B8C-83A1-F6EECF244321}">
+                <p14:modId xmlns:p14="http://schemas.microsoft.com/office/powerpoint/2010/main" val="218358169"/>
+              </p:ext>
+            </p:extLst>
+          </p:nvPr>
+        </p:nvGraphicFramePr>
+        <p:xfrm>
+          <a:off x="1022350" y="1376890"/>
+          <a:ext cx="9455151" cy="4791530"/>
+        </p:xfrm>
+        <a:graphic>
+          <a:graphicData uri="http://schemas.openxmlformats.org/drawingml/2006/table">
+            <a:tbl>
+              <a:tblPr firstRow="1" bandRow="1">
+                <a:tableStyleId>{5C22544A-7EE6-4342-B048-85BDC9FD1C3A}</a:tableStyleId>
+              </a:tblPr>
+              <a:tblGrid>
+                <a:gridCol w="3151717">
+                  <a:extLst>
+                    <a:ext uri="{9D8B030D-6E8A-4147-A177-3AD203B41FA5}">
+                      <a16:colId xmlns:a16="http://schemas.microsoft.com/office/drawing/2014/main" val="765814232"/>
+                    </a:ext>
+                  </a:extLst>
+                </a:gridCol>
+                <a:gridCol w="3151717">
+                  <a:extLst>
+                    <a:ext uri="{9D8B030D-6E8A-4147-A177-3AD203B41FA5}">
+                      <a16:colId xmlns:a16="http://schemas.microsoft.com/office/drawing/2014/main" val="1758698789"/>
+                    </a:ext>
+                  </a:extLst>
+                </a:gridCol>
+                <a:gridCol w="3151717">
+                  <a:extLst>
+                    <a:ext uri="{9D8B030D-6E8A-4147-A177-3AD203B41FA5}">
+                      <a16:colId xmlns:a16="http://schemas.microsoft.com/office/drawing/2014/main" val="452869518"/>
+                    </a:ext>
+                  </a:extLst>
+                </a:gridCol>
+              </a:tblGrid>
+              <a:tr h="685044">
+                <a:tc>
+                  <a:txBody>
+                    <a:bodyPr/>
+                    <a:lstStyle/>
+                    <a:p>
+                      <a:r>
+                        <a:rPr lang="zh-CN" altLang="en-US" sz="2400" dirty="0"/>
+                        <a:t>成员</a:t>
+                      </a:r>
+                    </a:p>
+                  </a:txBody>
+                  <a:tcPr/>
+                </a:tc>
+                <a:tc>
+                  <a:txBody>
+                    <a:bodyPr/>
+                    <a:lstStyle/>
+                    <a:p>
+                      <a:r>
+                        <a:rPr lang="zh-CN" altLang="en-US" sz="2400" dirty="0"/>
+                        <a:t>任务</a:t>
+                      </a:r>
+                    </a:p>
+                  </a:txBody>
+                  <a:tcPr/>
+                </a:tc>
+                <a:tc>
+                  <a:txBody>
+                    <a:bodyPr/>
+                    <a:lstStyle/>
+                    <a:p>
+                      <a:r>
+                        <a:rPr lang="zh-CN" altLang="en-US" sz="2400" dirty="0"/>
+                        <a:t>贡献比</a:t>
+                      </a:r>
+                    </a:p>
+                  </a:txBody>
+                  <a:tcPr/>
+                </a:tc>
+                <a:extLst>
+                  <a:ext uri="{0D108BD9-81ED-4DB2-BD59-A6C34878D82A}">
+                    <a16:rowId xmlns:a16="http://schemas.microsoft.com/office/drawing/2014/main" val="2217323084"/>
+                  </a:ext>
+                </a:extLst>
+              </a:tr>
+              <a:tr h="681266">
+                <a:tc>
+                  <a:txBody>
+                    <a:bodyPr/>
+                    <a:lstStyle/>
+                    <a:p>
+                      <a:r>
+                        <a:rPr lang="zh-CN" altLang="en-US" dirty="0"/>
+                        <a:t>林朝玮</a:t>
+                      </a:r>
+                    </a:p>
+                  </a:txBody>
+                  <a:tcPr/>
+                </a:tc>
+                <a:tc>
+                  <a:txBody>
+                    <a:bodyPr/>
+                    <a:lstStyle/>
+                    <a:p>
+                      <a:r>
+                        <a:rPr lang="zh-CN" altLang="en-US" sz="1800" b="0" i="0" kern="1200" dirty="0">
+                          <a:solidFill>
+                            <a:schemeClr val="dk1"/>
+                          </a:solidFill>
+                          <a:effectLst/>
+                          <a:latin typeface="+mn-lt"/>
+                          <a:ea typeface="+mn-ea"/>
+                          <a:cs typeface="+mn-cs"/>
+                        </a:rPr>
+                        <a:t>系统设计说明书编写，</a:t>
+                      </a:r>
+                      <a:r>
+                        <a:rPr lang="en-US" altLang="zh-CN" sz="1800" b="0" i="0" kern="1200" dirty="0">
+                          <a:solidFill>
+                            <a:schemeClr val="dk1"/>
+                          </a:solidFill>
+                          <a:effectLst/>
+                          <a:latin typeface="+mn-lt"/>
+                          <a:ea typeface="+mn-ea"/>
+                          <a:cs typeface="+mn-cs"/>
+                        </a:rPr>
+                        <a:t>ppt</a:t>
+                      </a:r>
+                      <a:r>
+                        <a:rPr lang="zh-CN" altLang="en-US" sz="1800" b="0" i="0" kern="1200" dirty="0">
+                          <a:solidFill>
+                            <a:schemeClr val="dk1"/>
+                          </a:solidFill>
+                          <a:effectLst/>
+                          <a:latin typeface="+mn-lt"/>
+                          <a:ea typeface="+mn-ea"/>
+                          <a:cs typeface="+mn-cs"/>
+                        </a:rPr>
+                        <a:t>制作</a:t>
+                      </a:r>
+                      <a:endParaRPr lang="zh-CN" altLang="en-US" dirty="0"/>
+                    </a:p>
+                  </a:txBody>
+                  <a:tcPr/>
+                </a:tc>
+                <a:tc>
+                  <a:txBody>
+                    <a:bodyPr/>
+                    <a:lstStyle/>
+                    <a:p>
+                      <a:r>
+                        <a:rPr lang="en-US" altLang="zh-CN" dirty="0"/>
+                        <a:t>17%</a:t>
+                      </a:r>
+                      <a:endParaRPr lang="zh-CN" altLang="en-US" dirty="0"/>
+                    </a:p>
+                  </a:txBody>
+                  <a:tcPr/>
+                </a:tc>
+                <a:extLst>
+                  <a:ext uri="{0D108BD9-81ED-4DB2-BD59-A6C34878D82A}">
+                    <a16:rowId xmlns:a16="http://schemas.microsoft.com/office/drawing/2014/main" val="2263372923"/>
+                  </a:ext>
+                </a:extLst>
+              </a:tr>
+              <a:tr h="685044">
+                <a:tc>
+                  <a:txBody>
+                    <a:bodyPr/>
+                    <a:lstStyle/>
+                    <a:p>
+                      <a:r>
+                        <a:rPr lang="zh-CN" altLang="en-US" dirty="0"/>
+                        <a:t>蔡云龙</a:t>
+                      </a:r>
+                    </a:p>
+                  </a:txBody>
+                  <a:tcPr/>
+                </a:tc>
+                <a:tc>
+                  <a:txBody>
+                    <a:bodyPr/>
+                    <a:lstStyle/>
+                    <a:p>
+                      <a:r>
+                        <a:rPr lang="en-US" altLang="zh-CN" sz="1800" b="0" i="0" kern="1200" dirty="0">
+                          <a:solidFill>
+                            <a:schemeClr val="dk1"/>
+                          </a:solidFill>
+                          <a:effectLst/>
+                          <a:latin typeface="+mn-lt"/>
+                          <a:ea typeface="+mn-ea"/>
+                          <a:cs typeface="+mn-cs"/>
+                        </a:rPr>
+                        <a:t>ppt</a:t>
+                      </a:r>
+                      <a:r>
+                        <a:rPr lang="zh-CN" altLang="en-US" sz="1800" b="0" i="0" kern="1200" dirty="0">
+                          <a:solidFill>
+                            <a:schemeClr val="dk1"/>
+                          </a:solidFill>
+                          <a:effectLst/>
+                          <a:latin typeface="+mn-lt"/>
+                          <a:ea typeface="+mn-ea"/>
+                          <a:cs typeface="+mn-cs"/>
+                        </a:rPr>
+                        <a:t>制作</a:t>
+                      </a:r>
+                      <a:endParaRPr lang="zh-CN" altLang="en-US" dirty="0"/>
+                    </a:p>
+                  </a:txBody>
+                  <a:tcPr/>
+                </a:tc>
+                <a:tc>
+                  <a:txBody>
+                    <a:bodyPr/>
+                    <a:lstStyle/>
+                    <a:p>
+                      <a:r>
+                        <a:rPr lang="en-US" altLang="zh-CN" dirty="0"/>
+                        <a:t>15%</a:t>
+                      </a:r>
+                      <a:endParaRPr lang="zh-CN" altLang="en-US" dirty="0"/>
+                    </a:p>
+                  </a:txBody>
+                  <a:tcPr/>
+                </a:tc>
+                <a:extLst>
+                  <a:ext uri="{0D108BD9-81ED-4DB2-BD59-A6C34878D82A}">
+                    <a16:rowId xmlns:a16="http://schemas.microsoft.com/office/drawing/2014/main" val="1989236665"/>
+                  </a:ext>
+                </a:extLst>
+              </a:tr>
+              <a:tr h="685044">
+                <a:tc>
+                  <a:txBody>
+                    <a:bodyPr/>
+                    <a:lstStyle/>
+                    <a:p>
+                      <a:r>
+                        <a:rPr lang="zh-CN" altLang="en-US" dirty="0"/>
+                        <a:t>陈烨</a:t>
+                      </a:r>
+                    </a:p>
+                  </a:txBody>
+                  <a:tcPr/>
+                </a:tc>
+                <a:tc>
+                  <a:txBody>
+                    <a:bodyPr/>
+                    <a:lstStyle/>
+                    <a:p>
+                      <a:r>
+                        <a:rPr lang="zh-CN" altLang="en-US" dirty="0"/>
+                        <a:t>数据库说明书编写</a:t>
+                      </a:r>
+                    </a:p>
+                  </a:txBody>
+                  <a:tcPr/>
+                </a:tc>
+                <a:tc>
+                  <a:txBody>
+                    <a:bodyPr/>
+                    <a:lstStyle/>
+                    <a:p>
+                      <a:r>
+                        <a:rPr lang="en-US" altLang="zh-CN" dirty="0"/>
+                        <a:t>17%</a:t>
+                      </a:r>
+                      <a:endParaRPr lang="zh-CN" altLang="en-US" dirty="0"/>
+                    </a:p>
+                  </a:txBody>
+                  <a:tcPr/>
+                </a:tc>
+                <a:extLst>
+                  <a:ext uri="{0D108BD9-81ED-4DB2-BD59-A6C34878D82A}">
+                    <a16:rowId xmlns:a16="http://schemas.microsoft.com/office/drawing/2014/main" val="1052699329"/>
+                  </a:ext>
+                </a:extLst>
+              </a:tr>
+              <a:tr h="685044">
+                <a:tc>
+                  <a:txBody>
+                    <a:bodyPr/>
+                    <a:lstStyle/>
+                    <a:p>
+                      <a:r>
+                        <a:rPr lang="zh-CN" altLang="en-US" sz="1800" b="0" i="0" kern="1200" dirty="0">
+                          <a:solidFill>
+                            <a:schemeClr val="dk1"/>
+                          </a:solidFill>
+                          <a:effectLst/>
+                          <a:latin typeface="+mn-lt"/>
+                          <a:ea typeface="+mn-ea"/>
+                          <a:cs typeface="+mn-cs"/>
+                        </a:rPr>
+                        <a:t>曾国桢</a:t>
+                      </a:r>
+                      <a:endParaRPr lang="zh-CN" altLang="en-US" dirty="0"/>
+                    </a:p>
+                  </a:txBody>
+                  <a:tcPr/>
+                </a:tc>
+                <a:tc>
+                  <a:txBody>
+                    <a:bodyPr/>
+                    <a:lstStyle/>
+                    <a:p>
+                      <a:pPr marL="0" marR="0" lvl="0" indent="0" algn="l" defTabSz="914400" rtl="0" eaLnBrk="1" fontAlgn="auto" latinLnBrk="0" hangingPunct="1">
+                        <a:lnSpc>
+                          <a:spcPct val="100000"/>
+                        </a:lnSpc>
+                        <a:spcBef>
+                          <a:spcPts val="0"/>
+                        </a:spcBef>
+                        <a:spcAft>
+                          <a:spcPts val="0"/>
+                        </a:spcAft>
+                        <a:buClrTx/>
+                        <a:buSzTx/>
+                        <a:buFontTx/>
+                        <a:buNone/>
+                        <a:tabLst/>
+                        <a:defRPr/>
+                      </a:pPr>
+                      <a:r>
+                        <a:rPr lang="zh-CN" altLang="en-US" dirty="0"/>
+                        <a:t>数据库说明书编写</a:t>
+                      </a:r>
+                    </a:p>
+                    <a:p>
+                      <a:endParaRPr lang="zh-CN" altLang="en-US" dirty="0"/>
+                    </a:p>
+                  </a:txBody>
+                  <a:tcPr/>
+                </a:tc>
+                <a:tc>
+                  <a:txBody>
+                    <a:bodyPr/>
+                    <a:lstStyle/>
+                    <a:p>
+                      <a:r>
+                        <a:rPr lang="en-US" altLang="zh-CN" dirty="0"/>
+                        <a:t>17%</a:t>
+                      </a:r>
+                      <a:endParaRPr lang="zh-CN" altLang="en-US" dirty="0"/>
+                    </a:p>
+                  </a:txBody>
+                  <a:tcPr/>
+                </a:tc>
+                <a:extLst>
+                  <a:ext uri="{0D108BD9-81ED-4DB2-BD59-A6C34878D82A}">
+                    <a16:rowId xmlns:a16="http://schemas.microsoft.com/office/drawing/2014/main" val="661106138"/>
+                  </a:ext>
+                </a:extLst>
+              </a:tr>
+              <a:tr h="685044">
+                <a:tc>
+                  <a:txBody>
+                    <a:bodyPr/>
+                    <a:lstStyle/>
+                    <a:p>
+                      <a:r>
+                        <a:rPr lang="zh-CN" altLang="en-US" dirty="0"/>
+                        <a:t>陈棋</a:t>
+                      </a:r>
+                    </a:p>
+                  </a:txBody>
+                  <a:tcPr/>
+                </a:tc>
+                <a:tc>
+                  <a:txBody>
+                    <a:bodyPr/>
+                    <a:lstStyle/>
+                    <a:p>
+                      <a:r>
+                        <a:rPr lang="zh-CN" altLang="en-US" sz="1800" b="0" i="0" kern="1200" dirty="0">
+                          <a:solidFill>
+                            <a:schemeClr val="dk1"/>
+                          </a:solidFill>
+                          <a:effectLst/>
+                          <a:latin typeface="+mn-lt"/>
+                          <a:ea typeface="+mn-ea"/>
+                          <a:cs typeface="+mn-cs"/>
+                        </a:rPr>
+                        <a:t>系统设计说明书编写</a:t>
+                      </a:r>
+                      <a:endParaRPr lang="zh-CN" altLang="en-US" dirty="0"/>
+                    </a:p>
+                  </a:txBody>
+                  <a:tcPr/>
+                </a:tc>
+                <a:tc>
+                  <a:txBody>
+                    <a:bodyPr/>
+                    <a:lstStyle/>
+                    <a:p>
+                      <a:r>
+                        <a:rPr lang="en-US" altLang="zh-CN" dirty="0"/>
+                        <a:t>17%</a:t>
+                      </a:r>
+                      <a:endParaRPr lang="zh-CN" altLang="en-US" dirty="0"/>
+                    </a:p>
+                  </a:txBody>
+                  <a:tcPr/>
+                </a:tc>
+                <a:extLst>
+                  <a:ext uri="{0D108BD9-81ED-4DB2-BD59-A6C34878D82A}">
+                    <a16:rowId xmlns:a16="http://schemas.microsoft.com/office/drawing/2014/main" val="2388371681"/>
+                  </a:ext>
+                </a:extLst>
+              </a:tr>
+              <a:tr h="685044">
+                <a:tc>
+                  <a:txBody>
+                    <a:bodyPr/>
+                    <a:lstStyle/>
+                    <a:p>
+                      <a:r>
+                        <a:rPr lang="zh-CN" altLang="en-US" dirty="0"/>
+                        <a:t>王康靖</a:t>
+                      </a:r>
+                    </a:p>
+                  </a:txBody>
+                  <a:tcPr/>
+                </a:tc>
+                <a:tc>
+                  <a:txBody>
+                    <a:bodyPr/>
+                    <a:lstStyle/>
+                    <a:p>
+                      <a:r>
+                        <a:rPr lang="zh-CN" altLang="en-US" sz="1800" b="0" i="0" kern="1200" dirty="0">
+                          <a:solidFill>
+                            <a:schemeClr val="dk1"/>
+                          </a:solidFill>
+                          <a:effectLst/>
+                          <a:latin typeface="+mn-lt"/>
+                          <a:ea typeface="+mn-ea"/>
+                          <a:cs typeface="+mn-cs"/>
+                        </a:rPr>
+                        <a:t>系统设计说明书编写</a:t>
+                      </a:r>
+                      <a:endParaRPr lang="zh-CN" altLang="en-US" dirty="0"/>
+                    </a:p>
+                  </a:txBody>
+                  <a:tcPr/>
+                </a:tc>
+                <a:tc>
+                  <a:txBody>
+                    <a:bodyPr/>
+                    <a:lstStyle/>
+                    <a:p>
+                      <a:r>
+                        <a:rPr lang="en-US" altLang="zh-CN" dirty="0"/>
+                        <a:t>17%</a:t>
+                      </a:r>
+                      <a:endParaRPr lang="zh-CN" altLang="en-US" dirty="0"/>
+                    </a:p>
+                  </a:txBody>
+                  <a:tcPr/>
+                </a:tc>
+                <a:extLst>
+                  <a:ext uri="{0D108BD9-81ED-4DB2-BD59-A6C34878D82A}">
+                    <a16:rowId xmlns:a16="http://schemas.microsoft.com/office/drawing/2014/main" val="2616701754"/>
+                  </a:ext>
+                </a:extLst>
+              </a:tr>
+            </a:tbl>
+          </a:graphicData>
+        </a:graphic>
+      </p:graphicFrame>
     </p:spTree>
     <p:extLst>
       <p:ext uri="{BB962C8B-B14F-4D97-AF65-F5344CB8AC3E}">
-        <p14:creationId xmlns:p14="http://schemas.microsoft.com/office/powerpoint/2010/main" val="3311597533"/>
+        <p14:creationId xmlns:p14="http://schemas.microsoft.com/office/powerpoint/2010/main" val="1215941592"/>
       </p:ext>
     </p:extLst>
   </p:cSld>
@@ -7092,7 +8881,7 @@
 </p:sld>
 </file>
 
-<file path=ppt/slides/slide20.xml><?xml version="1.0" encoding="utf-8"?>
+<file path=ppt/slides/slide25.xml><?xml version="1.0" encoding="utf-8"?>
 <p:sld xmlns:a="http://schemas.openxmlformats.org/drawingml/2006/main" xmlns:r="http://schemas.openxmlformats.org/officeDocument/2006/relationships" xmlns:p="http://schemas.openxmlformats.org/presentationml/2006/main">
   <p:cSld>
     <p:spTree>
@@ -7130,10 +8919,887 @@
           <a:bodyPr/>
           <a:lstStyle/>
           <a:p>
-            <a:endParaRPr lang="zh-CN" altLang="en-US" dirty="0"/>
-          </a:p>
-        </p:txBody>
-      </p:sp>
+            <a:r>
+              <a:rPr lang="zh-CN" altLang="en-US" dirty="0"/>
+              <a:t>预期开发分工</a:t>
+            </a:r>
+          </a:p>
+        </p:txBody>
+      </p:sp>
+      <p:graphicFrame>
+        <p:nvGraphicFramePr>
+          <p:cNvPr id="3" name="表格 3">
+            <a:extLst>
+              <a:ext uri="{FF2B5EF4-FFF2-40B4-BE49-F238E27FC236}">
+                <a16:creationId xmlns:a16="http://schemas.microsoft.com/office/drawing/2014/main" id="{8AE0FFF2-0C4B-4C93-9C43-DA731395199F}"/>
+              </a:ext>
+            </a:extLst>
+          </p:cNvPr>
+          <p:cNvGraphicFramePr>
+            <a:graphicFrameLocks noGrp="1"/>
+          </p:cNvGraphicFramePr>
+          <p:nvPr>
+            <p:extLst>
+              <p:ext uri="{D42A27DB-BD31-4B8C-83A1-F6EECF244321}">
+                <p14:modId xmlns:p14="http://schemas.microsoft.com/office/powerpoint/2010/main" val="3323247779"/>
+              </p:ext>
+            </p:extLst>
+          </p:nvPr>
+        </p:nvGraphicFramePr>
+        <p:xfrm>
+          <a:off x="746486" y="1219201"/>
+          <a:ext cx="10162814" cy="5194299"/>
+        </p:xfrm>
+        <a:graphic>
+          <a:graphicData uri="http://schemas.openxmlformats.org/drawingml/2006/table">
+            <a:tbl>
+              <a:tblPr firstRow="1" bandRow="1">
+                <a:tableStyleId>{5C22544A-7EE6-4342-B048-85BDC9FD1C3A}</a:tableStyleId>
+              </a:tblPr>
+              <a:tblGrid>
+                <a:gridCol w="5081407">
+                  <a:extLst>
+                    <a:ext uri="{9D8B030D-6E8A-4147-A177-3AD203B41FA5}">
+                      <a16:colId xmlns:a16="http://schemas.microsoft.com/office/drawing/2014/main" val="765814232"/>
+                    </a:ext>
+                  </a:extLst>
+                </a:gridCol>
+                <a:gridCol w="5081407">
+                  <a:extLst>
+                    <a:ext uri="{9D8B030D-6E8A-4147-A177-3AD203B41FA5}">
+                      <a16:colId xmlns:a16="http://schemas.microsoft.com/office/drawing/2014/main" val="1758698789"/>
+                    </a:ext>
+                  </a:extLst>
+                </a:gridCol>
+              </a:tblGrid>
+              <a:tr h="714440">
+                <a:tc>
+                  <a:txBody>
+                    <a:bodyPr/>
+                    <a:lstStyle/>
+                    <a:p>
+                      <a:r>
+                        <a:rPr lang="zh-CN" altLang="en-US" sz="2400" dirty="0"/>
+                        <a:t>成员</a:t>
+                      </a:r>
+                    </a:p>
+                  </a:txBody>
+                  <a:tcPr/>
+                </a:tc>
+                <a:tc>
+                  <a:txBody>
+                    <a:bodyPr/>
+                    <a:lstStyle/>
+                    <a:p>
+                      <a:r>
+                        <a:rPr lang="zh-CN" altLang="en-US" sz="2400" dirty="0"/>
+                        <a:t>任务</a:t>
+                      </a:r>
+                    </a:p>
+                  </a:txBody>
+                  <a:tcPr/>
+                </a:tc>
+                <a:extLst>
+                  <a:ext uri="{0D108BD9-81ED-4DB2-BD59-A6C34878D82A}">
+                    <a16:rowId xmlns:a16="http://schemas.microsoft.com/office/drawing/2014/main" val="2217323084"/>
+                  </a:ext>
+                </a:extLst>
+              </a:tr>
+              <a:tr h="743209">
+                <a:tc>
+                  <a:txBody>
+                    <a:bodyPr/>
+                    <a:lstStyle/>
+                    <a:p>
+                      <a:r>
+                        <a:rPr lang="zh-CN" altLang="en-US" dirty="0"/>
+                        <a:t>林朝玮</a:t>
+                      </a:r>
+                    </a:p>
+                  </a:txBody>
+                  <a:tcPr/>
+                </a:tc>
+                <a:tc>
+                  <a:txBody>
+                    <a:bodyPr/>
+                    <a:lstStyle/>
+                    <a:p>
+                      <a:r>
+                        <a:rPr lang="zh-CN" altLang="en-US" sz="1800" b="0" i="0" kern="1200" dirty="0">
+                          <a:solidFill>
+                            <a:schemeClr val="dk1"/>
+                          </a:solidFill>
+                          <a:effectLst/>
+                          <a:latin typeface="+mn-lt"/>
+                          <a:ea typeface="+mn-ea"/>
+                          <a:cs typeface="+mn-cs"/>
+                        </a:rPr>
+                        <a:t>硬件模块调试编码</a:t>
+                      </a:r>
+                      <a:endParaRPr lang="zh-CN" altLang="en-US" dirty="0"/>
+                    </a:p>
+                  </a:txBody>
+                  <a:tcPr/>
+                </a:tc>
+                <a:extLst>
+                  <a:ext uri="{0D108BD9-81ED-4DB2-BD59-A6C34878D82A}">
+                    <a16:rowId xmlns:a16="http://schemas.microsoft.com/office/drawing/2014/main" val="2263372923"/>
+                  </a:ext>
+                </a:extLst>
+              </a:tr>
+              <a:tr h="747330">
+                <a:tc>
+                  <a:txBody>
+                    <a:bodyPr/>
+                    <a:lstStyle/>
+                    <a:p>
+                      <a:r>
+                        <a:rPr lang="zh-CN" altLang="en-US" dirty="0"/>
+                        <a:t>蔡云龙</a:t>
+                      </a:r>
+                    </a:p>
+                  </a:txBody>
+                  <a:tcPr/>
+                </a:tc>
+                <a:tc>
+                  <a:txBody>
+                    <a:bodyPr/>
+                    <a:lstStyle/>
+                    <a:p>
+                      <a:r>
+                        <a:rPr lang="zh-CN" altLang="en-US"/>
+                        <a:t>小程序开发，</a:t>
+                      </a:r>
+                      <a:r>
+                        <a:rPr lang="zh-CN" altLang="en-US" sz="1800" b="0" i="0" kern="1200" dirty="0">
+                          <a:solidFill>
+                            <a:schemeClr val="dk1"/>
+                          </a:solidFill>
+                          <a:effectLst/>
+                          <a:latin typeface="+mn-lt"/>
+                          <a:ea typeface="+mn-ea"/>
+                          <a:cs typeface="+mn-cs"/>
+                        </a:rPr>
+                        <a:t>测试</a:t>
+                      </a:r>
+                      <a:endParaRPr lang="zh-CN" altLang="en-US" dirty="0"/>
+                    </a:p>
+                  </a:txBody>
+                  <a:tcPr/>
+                </a:tc>
+                <a:extLst>
+                  <a:ext uri="{0D108BD9-81ED-4DB2-BD59-A6C34878D82A}">
+                    <a16:rowId xmlns:a16="http://schemas.microsoft.com/office/drawing/2014/main" val="1989236665"/>
+                  </a:ext>
+                </a:extLst>
+              </a:tr>
+              <a:tr h="747330">
+                <a:tc>
+                  <a:txBody>
+                    <a:bodyPr/>
+                    <a:lstStyle/>
+                    <a:p>
+                      <a:r>
+                        <a:rPr lang="zh-CN" altLang="en-US" dirty="0"/>
+                        <a:t>陈烨</a:t>
+                      </a:r>
+                    </a:p>
+                  </a:txBody>
+                  <a:tcPr/>
+                </a:tc>
+                <a:tc>
+                  <a:txBody>
+                    <a:bodyPr/>
+                    <a:lstStyle/>
+                    <a:p>
+                      <a:pPr marL="0" marR="0" lvl="0" indent="0" algn="l" defTabSz="914400" rtl="0" eaLnBrk="1" fontAlgn="auto" latinLnBrk="0" hangingPunct="1">
+                        <a:lnSpc>
+                          <a:spcPct val="100000"/>
+                        </a:lnSpc>
+                        <a:spcBef>
+                          <a:spcPts val="0"/>
+                        </a:spcBef>
+                        <a:spcAft>
+                          <a:spcPts val="0"/>
+                        </a:spcAft>
+                        <a:buClrTx/>
+                        <a:buSzTx/>
+                        <a:buFontTx/>
+                        <a:buNone/>
+                        <a:tabLst/>
+                        <a:defRPr/>
+                      </a:pPr>
+                      <a:r>
+                        <a:rPr lang="zh-CN" altLang="en-US" dirty="0"/>
+                        <a:t>小程序开发，服务端开发</a:t>
+                      </a:r>
+                    </a:p>
+                  </a:txBody>
+                  <a:tcPr/>
+                </a:tc>
+                <a:extLst>
+                  <a:ext uri="{0D108BD9-81ED-4DB2-BD59-A6C34878D82A}">
+                    <a16:rowId xmlns:a16="http://schemas.microsoft.com/office/drawing/2014/main" val="1052699329"/>
+                  </a:ext>
+                </a:extLst>
+              </a:tr>
+              <a:tr h="747330">
+                <a:tc>
+                  <a:txBody>
+                    <a:bodyPr/>
+                    <a:lstStyle/>
+                    <a:p>
+                      <a:r>
+                        <a:rPr lang="zh-CN" altLang="en-US" sz="1800" b="0" i="0" kern="1200" dirty="0">
+                          <a:solidFill>
+                            <a:schemeClr val="dk1"/>
+                          </a:solidFill>
+                          <a:effectLst/>
+                          <a:latin typeface="+mn-lt"/>
+                          <a:ea typeface="+mn-ea"/>
+                          <a:cs typeface="+mn-cs"/>
+                        </a:rPr>
+                        <a:t>曾国桢</a:t>
+                      </a:r>
+                      <a:endParaRPr lang="zh-CN" altLang="en-US" dirty="0"/>
+                    </a:p>
+                  </a:txBody>
+                  <a:tcPr/>
+                </a:tc>
+                <a:tc>
+                  <a:txBody>
+                    <a:bodyPr/>
+                    <a:lstStyle/>
+                    <a:p>
+                      <a:pPr marL="0" marR="0" lvl="0" indent="0" algn="l" defTabSz="914400" rtl="0" eaLnBrk="1" fontAlgn="auto" latinLnBrk="0" hangingPunct="1">
+                        <a:lnSpc>
+                          <a:spcPct val="100000"/>
+                        </a:lnSpc>
+                        <a:spcBef>
+                          <a:spcPts val="0"/>
+                        </a:spcBef>
+                        <a:spcAft>
+                          <a:spcPts val="0"/>
+                        </a:spcAft>
+                        <a:buClrTx/>
+                        <a:buSzTx/>
+                        <a:buFontTx/>
+                        <a:buNone/>
+                        <a:tabLst/>
+                        <a:defRPr/>
+                      </a:pPr>
+                      <a:r>
+                        <a:rPr lang="zh-CN" altLang="en-US" dirty="0"/>
+                        <a:t>测试，</a:t>
+                      </a:r>
+                      <a:r>
+                        <a:rPr lang="zh-CN" altLang="en-US" sz="1800" b="0" i="0" kern="1200" dirty="0">
+                          <a:solidFill>
+                            <a:schemeClr val="dk1"/>
+                          </a:solidFill>
+                          <a:effectLst/>
+                          <a:latin typeface="+mn-lt"/>
+                          <a:ea typeface="+mn-ea"/>
+                          <a:cs typeface="+mn-cs"/>
+                        </a:rPr>
+                        <a:t>硬件调试编码</a:t>
+                      </a:r>
+                      <a:endParaRPr lang="zh-CN" altLang="en-US" dirty="0"/>
+                    </a:p>
+                    <a:p>
+                      <a:pPr marL="0" marR="0" lvl="0" indent="0" algn="l" defTabSz="914400" rtl="0" eaLnBrk="1" fontAlgn="auto" latinLnBrk="0" hangingPunct="1">
+                        <a:lnSpc>
+                          <a:spcPct val="100000"/>
+                        </a:lnSpc>
+                        <a:spcBef>
+                          <a:spcPts val="0"/>
+                        </a:spcBef>
+                        <a:spcAft>
+                          <a:spcPts val="0"/>
+                        </a:spcAft>
+                        <a:buClrTx/>
+                        <a:buSzTx/>
+                        <a:buFontTx/>
+                        <a:buNone/>
+                        <a:tabLst/>
+                        <a:defRPr/>
+                      </a:pPr>
+                      <a:endParaRPr lang="zh-CN" altLang="en-US" dirty="0"/>
+                    </a:p>
+                  </a:txBody>
+                  <a:tcPr/>
+                </a:tc>
+                <a:extLst>
+                  <a:ext uri="{0D108BD9-81ED-4DB2-BD59-A6C34878D82A}">
+                    <a16:rowId xmlns:a16="http://schemas.microsoft.com/office/drawing/2014/main" val="661106138"/>
+                  </a:ext>
+                </a:extLst>
+              </a:tr>
+              <a:tr h="747330">
+                <a:tc>
+                  <a:txBody>
+                    <a:bodyPr/>
+                    <a:lstStyle/>
+                    <a:p>
+                      <a:r>
+                        <a:rPr lang="zh-CN" altLang="en-US" dirty="0"/>
+                        <a:t>陈棋</a:t>
+                      </a:r>
+                    </a:p>
+                  </a:txBody>
+                  <a:tcPr/>
+                </a:tc>
+                <a:tc>
+                  <a:txBody>
+                    <a:bodyPr/>
+                    <a:lstStyle/>
+                    <a:p>
+                      <a:r>
+                        <a:rPr lang="zh-CN" altLang="en-US" sz="1800" b="0" i="0" kern="1200" dirty="0">
+                          <a:solidFill>
+                            <a:schemeClr val="dk1"/>
+                          </a:solidFill>
+                          <a:effectLst/>
+                          <a:latin typeface="+mn-lt"/>
+                          <a:ea typeface="+mn-ea"/>
+                          <a:cs typeface="+mn-cs"/>
+                        </a:rPr>
+                        <a:t>硬件模块调试编码，服务端开发</a:t>
+                      </a:r>
+                      <a:endParaRPr lang="zh-CN" altLang="en-US" dirty="0"/>
+                    </a:p>
+                  </a:txBody>
+                  <a:tcPr/>
+                </a:tc>
+                <a:extLst>
+                  <a:ext uri="{0D108BD9-81ED-4DB2-BD59-A6C34878D82A}">
+                    <a16:rowId xmlns:a16="http://schemas.microsoft.com/office/drawing/2014/main" val="2388371681"/>
+                  </a:ext>
+                </a:extLst>
+              </a:tr>
+              <a:tr h="747330">
+                <a:tc>
+                  <a:txBody>
+                    <a:bodyPr/>
+                    <a:lstStyle/>
+                    <a:p>
+                      <a:r>
+                        <a:rPr lang="zh-CN" altLang="en-US" dirty="0"/>
+                        <a:t>王康靖</a:t>
+                      </a:r>
+                    </a:p>
+                  </a:txBody>
+                  <a:tcPr/>
+                </a:tc>
+                <a:tc>
+                  <a:txBody>
+                    <a:bodyPr/>
+                    <a:lstStyle/>
+                    <a:p>
+                      <a:pPr marL="0" marR="0" lvl="0" indent="0" algn="l" defTabSz="914400" rtl="0" eaLnBrk="1" fontAlgn="auto" latinLnBrk="0" hangingPunct="1">
+                        <a:lnSpc>
+                          <a:spcPct val="100000"/>
+                        </a:lnSpc>
+                        <a:spcBef>
+                          <a:spcPts val="0"/>
+                        </a:spcBef>
+                        <a:spcAft>
+                          <a:spcPts val="0"/>
+                        </a:spcAft>
+                        <a:buClrTx/>
+                        <a:buSzTx/>
+                        <a:buFontTx/>
+                        <a:buNone/>
+                        <a:tabLst/>
+                        <a:defRPr/>
+                      </a:pPr>
+                      <a:r>
+                        <a:rPr lang="zh-CN" altLang="en-US" sz="1800" b="0" i="0" kern="1200" dirty="0">
+                          <a:solidFill>
+                            <a:schemeClr val="dk1"/>
+                          </a:solidFill>
+                          <a:effectLst/>
+                          <a:latin typeface="+mn-lt"/>
+                          <a:ea typeface="+mn-ea"/>
+                          <a:cs typeface="+mn-cs"/>
+                        </a:rPr>
+                        <a:t>硬件模块调试编码</a:t>
+                      </a:r>
+                      <a:endParaRPr lang="zh-CN" altLang="en-US" dirty="0"/>
+                    </a:p>
+                    <a:p>
+                      <a:endParaRPr lang="zh-CN" altLang="en-US" dirty="0"/>
+                    </a:p>
+                  </a:txBody>
+                  <a:tcPr/>
+                </a:tc>
+                <a:extLst>
+                  <a:ext uri="{0D108BD9-81ED-4DB2-BD59-A6C34878D82A}">
+                    <a16:rowId xmlns:a16="http://schemas.microsoft.com/office/drawing/2014/main" val="2616701754"/>
+                  </a:ext>
+                </a:extLst>
+              </a:tr>
+            </a:tbl>
+          </a:graphicData>
+        </a:graphic>
+      </p:graphicFrame>
+    </p:spTree>
+    <p:extLst>
+      <p:ext uri="{BB962C8B-B14F-4D97-AF65-F5344CB8AC3E}">
+        <p14:creationId xmlns:p14="http://schemas.microsoft.com/office/powerpoint/2010/main" val="2156658380"/>
+      </p:ext>
+    </p:extLst>
+  </p:cSld>
+  <p:clrMapOvr>
+    <a:masterClrMapping/>
+  </p:clrMapOvr>
+  <mc:AlternateContent xmlns:mc="http://schemas.openxmlformats.org/markup-compatibility/2006" xmlns:p14="http://schemas.microsoft.com/office/powerpoint/2010/main">
+    <mc:Choice Requires="p14">
+      <p:transition spd="slow" p14:dur="1500" advTm="0">
+        <p:random/>
+      </p:transition>
+    </mc:Choice>
+    <mc:Fallback xmlns="">
+      <p:transition spd="slow" advTm="0">
+        <p:random/>
+      </p:transition>
+    </mc:Fallback>
+  </mc:AlternateContent>
+</p:sld>
+</file>
+
+<file path=ppt/slides/slide26.xml><?xml version="1.0" encoding="utf-8"?>
+<p:sld xmlns:a="http://schemas.openxmlformats.org/drawingml/2006/main" xmlns:r="http://schemas.openxmlformats.org/officeDocument/2006/relationships" xmlns:p="http://schemas.openxmlformats.org/presentationml/2006/main">
+  <p:cSld>
+    <p:spTree>
+      <p:nvGrpSpPr>
+        <p:cNvPr id="1" name=""/>
+        <p:cNvGrpSpPr/>
+        <p:nvPr/>
+      </p:nvGrpSpPr>
+      <p:grpSpPr>
+        <a:xfrm>
+          <a:off x="0" y="0"/>
+          <a:ext cx="0" cy="0"/>
+          <a:chOff x="0" y="0"/>
+          <a:chExt cx="0" cy="0"/>
+        </a:xfrm>
+      </p:grpSpPr>
+      <p:sp>
+        <p:nvSpPr>
+          <p:cNvPr id="2" name="标题 1">
+            <a:extLst>
+              <a:ext uri="{FF2B5EF4-FFF2-40B4-BE49-F238E27FC236}">
+                <a16:creationId xmlns:a16="http://schemas.microsoft.com/office/drawing/2014/main" id="{E07038C4-B947-4097-9E1F-E952A2FCEF86}"/>
+              </a:ext>
+            </a:extLst>
+          </p:cNvPr>
+          <p:cNvSpPr>
+            <a:spLocks noGrp="1"/>
+          </p:cNvSpPr>
+          <p:nvPr>
+            <p:ph type="title"/>
+          </p:nvPr>
+        </p:nvSpPr>
+        <p:spPr/>
+        <p:txBody>
+          <a:bodyPr/>
+          <a:lstStyle/>
+          <a:p>
+            <a:r>
+              <a:rPr lang="zh-CN" altLang="en-US" dirty="0"/>
+              <a:t>预期开发计划</a:t>
+            </a:r>
+          </a:p>
+        </p:txBody>
+      </p:sp>
+      <p:graphicFrame>
+        <p:nvGraphicFramePr>
+          <p:cNvPr id="3" name="表格 3">
+            <a:extLst>
+              <a:ext uri="{FF2B5EF4-FFF2-40B4-BE49-F238E27FC236}">
+                <a16:creationId xmlns:a16="http://schemas.microsoft.com/office/drawing/2014/main" id="{290AE05F-32BC-4895-A73B-83BAE023A076}"/>
+              </a:ext>
+            </a:extLst>
+          </p:cNvPr>
+          <p:cNvGraphicFramePr>
+            <a:graphicFrameLocks noGrp="1"/>
+          </p:cNvGraphicFramePr>
+          <p:nvPr>
+            <p:extLst>
+              <p:ext uri="{D42A27DB-BD31-4B8C-83A1-F6EECF244321}">
+                <p14:modId xmlns:p14="http://schemas.microsoft.com/office/powerpoint/2010/main" val="94509888"/>
+              </p:ext>
+            </p:extLst>
+          </p:nvPr>
+        </p:nvGraphicFramePr>
+        <p:xfrm>
+          <a:off x="609736" y="1454148"/>
+          <a:ext cx="10972527" cy="4832351"/>
+        </p:xfrm>
+        <a:graphic>
+          <a:graphicData uri="http://schemas.openxmlformats.org/drawingml/2006/table">
+            <a:tbl>
+              <a:tblPr firstRow="1" bandRow="1">
+                <a:tableStyleId>{5C22544A-7EE6-4342-B048-85BDC9FD1C3A}</a:tableStyleId>
+              </a:tblPr>
+              <a:tblGrid>
+                <a:gridCol w="3657509">
+                  <a:extLst>
+                    <a:ext uri="{9D8B030D-6E8A-4147-A177-3AD203B41FA5}">
+                      <a16:colId xmlns:a16="http://schemas.microsoft.com/office/drawing/2014/main" val="1682677316"/>
+                    </a:ext>
+                  </a:extLst>
+                </a:gridCol>
+                <a:gridCol w="3657509">
+                  <a:extLst>
+                    <a:ext uri="{9D8B030D-6E8A-4147-A177-3AD203B41FA5}">
+                      <a16:colId xmlns:a16="http://schemas.microsoft.com/office/drawing/2014/main" val="3134870446"/>
+                    </a:ext>
+                  </a:extLst>
+                </a:gridCol>
+                <a:gridCol w="3657509">
+                  <a:extLst>
+                    <a:ext uri="{9D8B030D-6E8A-4147-A177-3AD203B41FA5}">
+                      <a16:colId xmlns:a16="http://schemas.microsoft.com/office/drawing/2014/main" val="3651156072"/>
+                    </a:ext>
+                  </a:extLst>
+                </a:gridCol>
+              </a:tblGrid>
+              <a:tr h="808123">
+                <a:tc>
+                  <a:txBody>
+                    <a:bodyPr/>
+                    <a:lstStyle/>
+                    <a:p>
+                      <a:pPr algn="ctr"/>
+                      <a:r>
+                        <a:rPr lang="zh-CN" altLang="en-US" sz="2400" dirty="0"/>
+                        <a:t>时间</a:t>
+                      </a:r>
+                    </a:p>
+                  </a:txBody>
+                  <a:tcPr/>
+                </a:tc>
+                <a:tc>
+                  <a:txBody>
+                    <a:bodyPr/>
+                    <a:lstStyle/>
+                    <a:p>
+                      <a:pPr algn="ctr"/>
+                      <a:r>
+                        <a:rPr lang="zh-CN" altLang="en-US" sz="2400" dirty="0"/>
+                        <a:t>计划</a:t>
+                      </a:r>
+                    </a:p>
+                  </a:txBody>
+                  <a:tcPr/>
+                </a:tc>
+                <a:tc>
+                  <a:txBody>
+                    <a:bodyPr/>
+                    <a:lstStyle/>
+                    <a:p>
+                      <a:pPr algn="ctr"/>
+                      <a:r>
+                        <a:rPr lang="zh-CN" altLang="en-US" sz="2400" dirty="0"/>
+                        <a:t>完成情况</a:t>
+                      </a:r>
+                    </a:p>
+                  </a:txBody>
+                  <a:tcPr/>
+                </a:tc>
+                <a:extLst>
+                  <a:ext uri="{0D108BD9-81ED-4DB2-BD59-A6C34878D82A}">
+                    <a16:rowId xmlns:a16="http://schemas.microsoft.com/office/drawing/2014/main" val="1995165165"/>
+                  </a:ext>
+                </a:extLst>
+              </a:tr>
+              <a:tr h="786280">
+                <a:tc>
+                  <a:txBody>
+                    <a:bodyPr/>
+                    <a:lstStyle/>
+                    <a:p>
+                      <a:pPr algn="ctr"/>
+                      <a:r>
+                        <a:rPr lang="zh-CN" altLang="en-US" sz="2400" dirty="0"/>
+                        <a:t>第十周</a:t>
+                      </a:r>
+                    </a:p>
+                  </a:txBody>
+                  <a:tcPr/>
+                </a:tc>
+                <a:tc>
+                  <a:txBody>
+                    <a:bodyPr/>
+                    <a:lstStyle/>
+                    <a:p>
+                      <a:r>
+                        <a:rPr lang="zh-CN" altLang="en-US" dirty="0"/>
+                        <a:t>系统设计，数据库设计</a:t>
+                      </a:r>
+                    </a:p>
+                  </a:txBody>
+                  <a:tcPr/>
+                </a:tc>
+                <a:tc>
+                  <a:txBody>
+                    <a:bodyPr/>
+                    <a:lstStyle/>
+                    <a:p>
+                      <a:r>
+                        <a:rPr lang="zh-CN" altLang="en-US" dirty="0"/>
+                        <a:t>已完成</a:t>
+                      </a:r>
+                    </a:p>
+                  </a:txBody>
+                  <a:tcPr/>
+                </a:tc>
+                <a:extLst>
+                  <a:ext uri="{0D108BD9-81ED-4DB2-BD59-A6C34878D82A}">
+                    <a16:rowId xmlns:a16="http://schemas.microsoft.com/office/drawing/2014/main" val="814175032"/>
+                  </a:ext>
+                </a:extLst>
+              </a:tr>
+              <a:tr h="809487">
+                <a:tc>
+                  <a:txBody>
+                    <a:bodyPr/>
+                    <a:lstStyle/>
+                    <a:p>
+                      <a:pPr marL="0" algn="ctr" defTabSz="914400" rtl="0" eaLnBrk="1" latinLnBrk="0" hangingPunct="1"/>
+                      <a:r>
+                        <a:rPr lang="zh-CN" altLang="en-US" sz="2400" kern="1200" dirty="0">
+                          <a:solidFill>
+                            <a:schemeClr val="dk1"/>
+                          </a:solidFill>
+                          <a:latin typeface="+mn-lt"/>
+                          <a:ea typeface="+mn-ea"/>
+                          <a:cs typeface="+mn-cs"/>
+                        </a:rPr>
+                        <a:t>第十一周</a:t>
+                      </a:r>
+                    </a:p>
+                  </a:txBody>
+                  <a:tcPr/>
+                </a:tc>
+                <a:tc>
+                  <a:txBody>
+                    <a:bodyPr/>
+                    <a:lstStyle/>
+                    <a:p>
+                      <a:r>
+                        <a:rPr lang="zh-CN" altLang="en-US" dirty="0"/>
+                        <a:t>代码编写</a:t>
+                      </a:r>
+                    </a:p>
+                  </a:txBody>
+                  <a:tcPr/>
+                </a:tc>
+                <a:tc>
+                  <a:txBody>
+                    <a:bodyPr/>
+                    <a:lstStyle/>
+                    <a:p>
+                      <a:r>
+                        <a:rPr lang="zh-CN" altLang="en-US" dirty="0"/>
+                        <a:t>未完成</a:t>
+                      </a:r>
+                    </a:p>
+                  </a:txBody>
+                  <a:tcPr/>
+                </a:tc>
+                <a:extLst>
+                  <a:ext uri="{0D108BD9-81ED-4DB2-BD59-A6C34878D82A}">
+                    <a16:rowId xmlns:a16="http://schemas.microsoft.com/office/drawing/2014/main" val="3821292858"/>
+                  </a:ext>
+                </a:extLst>
+              </a:tr>
+              <a:tr h="809487">
+                <a:tc>
+                  <a:txBody>
+                    <a:bodyPr/>
+                    <a:lstStyle/>
+                    <a:p>
+                      <a:pPr marL="0" algn="ctr" defTabSz="914400" rtl="0" eaLnBrk="1" latinLnBrk="0" hangingPunct="1"/>
+                      <a:r>
+                        <a:rPr lang="zh-CN" altLang="en-US" sz="2400" kern="1200" dirty="0">
+                          <a:solidFill>
+                            <a:schemeClr val="dk1"/>
+                          </a:solidFill>
+                          <a:latin typeface="+mn-lt"/>
+                          <a:ea typeface="+mn-ea"/>
+                          <a:cs typeface="+mn-cs"/>
+                        </a:rPr>
+                        <a:t>第十二周</a:t>
+                      </a:r>
+                    </a:p>
+                  </a:txBody>
+                  <a:tcPr/>
+                </a:tc>
+                <a:tc>
+                  <a:txBody>
+                    <a:bodyPr/>
+                    <a:lstStyle/>
+                    <a:p>
+                      <a:r>
+                        <a:rPr lang="zh-CN" altLang="en-US" dirty="0"/>
+                        <a:t>完善代码</a:t>
+                      </a:r>
+                    </a:p>
+                  </a:txBody>
+                  <a:tcPr/>
+                </a:tc>
+                <a:tc>
+                  <a:txBody>
+                    <a:bodyPr/>
+                    <a:lstStyle/>
+                    <a:p>
+                      <a:r>
+                        <a:rPr lang="zh-CN" altLang="en-US" dirty="0"/>
+                        <a:t>未完成</a:t>
+                      </a:r>
+                    </a:p>
+                  </a:txBody>
+                  <a:tcPr/>
+                </a:tc>
+                <a:extLst>
+                  <a:ext uri="{0D108BD9-81ED-4DB2-BD59-A6C34878D82A}">
+                    <a16:rowId xmlns:a16="http://schemas.microsoft.com/office/drawing/2014/main" val="3743200987"/>
+                  </a:ext>
+                </a:extLst>
+              </a:tr>
+              <a:tr h="809487">
+                <a:tc>
+                  <a:txBody>
+                    <a:bodyPr/>
+                    <a:lstStyle/>
+                    <a:p>
+                      <a:pPr marL="0" algn="ctr" defTabSz="914400" rtl="0" eaLnBrk="1" latinLnBrk="0" hangingPunct="1"/>
+                      <a:r>
+                        <a:rPr lang="zh-CN" altLang="en-US" sz="2400" kern="1200" dirty="0">
+                          <a:solidFill>
+                            <a:schemeClr val="dk1"/>
+                          </a:solidFill>
+                          <a:latin typeface="+mn-lt"/>
+                          <a:ea typeface="+mn-ea"/>
+                          <a:cs typeface="+mn-cs"/>
+                        </a:rPr>
+                        <a:t>第十三周</a:t>
+                      </a:r>
+                    </a:p>
+                  </a:txBody>
+                  <a:tcPr/>
+                </a:tc>
+                <a:tc>
+                  <a:txBody>
+                    <a:bodyPr/>
+                    <a:lstStyle/>
+                    <a:p>
+                      <a:r>
+                        <a:rPr lang="zh-CN" altLang="en-US" sz="1800" b="0" i="0" kern="1200" dirty="0">
+                          <a:solidFill>
+                            <a:schemeClr val="dk1"/>
+                          </a:solidFill>
+                          <a:effectLst/>
+                          <a:latin typeface="+mn-lt"/>
+                          <a:ea typeface="+mn-ea"/>
+                          <a:cs typeface="+mn-cs"/>
+                        </a:rPr>
+                        <a:t>测试功能，改进不足</a:t>
+                      </a:r>
+                      <a:endParaRPr lang="zh-CN" altLang="en-US" dirty="0"/>
+                    </a:p>
+                  </a:txBody>
+                  <a:tcPr/>
+                </a:tc>
+                <a:tc>
+                  <a:txBody>
+                    <a:bodyPr/>
+                    <a:lstStyle/>
+                    <a:p>
+                      <a:r>
+                        <a:rPr lang="zh-CN" altLang="en-US" dirty="0"/>
+                        <a:t>未完成</a:t>
+                      </a:r>
+                    </a:p>
+                  </a:txBody>
+                  <a:tcPr/>
+                </a:tc>
+                <a:extLst>
+                  <a:ext uri="{0D108BD9-81ED-4DB2-BD59-A6C34878D82A}">
+                    <a16:rowId xmlns:a16="http://schemas.microsoft.com/office/drawing/2014/main" val="2948634723"/>
+                  </a:ext>
+                </a:extLst>
+              </a:tr>
+              <a:tr h="809487">
+                <a:tc>
+                  <a:txBody>
+                    <a:bodyPr/>
+                    <a:lstStyle/>
+                    <a:p>
+                      <a:pPr marL="0" algn="ctr" defTabSz="914400" rtl="0" eaLnBrk="1" latinLnBrk="0" hangingPunct="1"/>
+                      <a:r>
+                        <a:rPr lang="zh-CN" altLang="en-US" sz="2400" kern="1200" dirty="0">
+                          <a:solidFill>
+                            <a:schemeClr val="dk1"/>
+                          </a:solidFill>
+                          <a:latin typeface="+mn-lt"/>
+                          <a:ea typeface="+mn-ea"/>
+                          <a:cs typeface="+mn-cs"/>
+                        </a:rPr>
+                        <a:t>第第十三周</a:t>
+                      </a:r>
+                    </a:p>
+                  </a:txBody>
+                  <a:tcPr/>
+                </a:tc>
+                <a:tc>
+                  <a:txBody>
+                    <a:bodyPr/>
+                    <a:lstStyle/>
+                    <a:p>
+                      <a:r>
+                        <a:rPr lang="zh-CN" altLang="en-US" sz="1800" b="0" i="0" kern="1200" dirty="0">
+                          <a:solidFill>
+                            <a:schemeClr val="dk1"/>
+                          </a:solidFill>
+                          <a:effectLst/>
+                          <a:latin typeface="+mn-lt"/>
+                          <a:ea typeface="+mn-ea"/>
+                          <a:cs typeface="+mn-cs"/>
+                        </a:rPr>
+                        <a:t>最终测试通过，发布小程序</a:t>
+                      </a:r>
+                      <a:endParaRPr lang="zh-CN" altLang="en-US" dirty="0"/>
+                    </a:p>
+                  </a:txBody>
+                  <a:tcPr/>
+                </a:tc>
+                <a:tc>
+                  <a:txBody>
+                    <a:bodyPr/>
+                    <a:lstStyle/>
+                    <a:p>
+                      <a:r>
+                        <a:rPr lang="zh-CN" altLang="en-US" dirty="0"/>
+                        <a:t>未完成</a:t>
+                      </a:r>
+                    </a:p>
+                  </a:txBody>
+                  <a:tcPr/>
+                </a:tc>
+                <a:extLst>
+                  <a:ext uri="{0D108BD9-81ED-4DB2-BD59-A6C34878D82A}">
+                    <a16:rowId xmlns:a16="http://schemas.microsoft.com/office/drawing/2014/main" val="422544680"/>
+                  </a:ext>
+                </a:extLst>
+              </a:tr>
+            </a:tbl>
+          </a:graphicData>
+        </a:graphic>
+      </p:graphicFrame>
     </p:spTree>
     <p:extLst>
       <p:ext uri="{BB962C8B-B14F-4D97-AF65-F5344CB8AC3E}">
@@ -7159,7 +9825,7 @@
 </p:sld>
 </file>
 
-<file path=ppt/slides/slide21.xml><?xml version="1.0" encoding="utf-8"?>
+<file path=ppt/slides/slide27.xml><?xml version="1.0" encoding="utf-8"?>
 <p:sld xmlns:a="http://schemas.openxmlformats.org/drawingml/2006/main" xmlns:r="http://schemas.openxmlformats.org/officeDocument/2006/relationships" xmlns:p="http://schemas.openxmlformats.org/presentationml/2006/main">
   <p:cSld>
     <p:spTree>
@@ -7275,7 +9941,7 @@
         </p:blipFill>
         <p:spPr>
           <a:xfrm>
-            <a:off x="6636984" y="4992540"/>
+            <a:off x="7386284" y="5027254"/>
             <a:ext cx="560419" cy="560419"/>
           </a:xfrm>
           <a:prstGeom prst="rect">
@@ -8082,8 +10748,8 @@
         </p:nvSpPr>
         <p:spPr>
           <a:xfrm>
-            <a:off x="4332335" y="4579965"/>
-            <a:ext cx="4184286" cy="1754326"/>
+            <a:off x="4332334" y="4579965"/>
+            <a:ext cx="4640215" cy="923330"/>
           </a:xfrm>
           <a:prstGeom prst="rect">
             <a:avLst/>
@@ -8322,7 +10988,7 @@
             <a:pPr algn="ctr"/>
             <a:r>
               <a:rPr lang="zh-CN" altLang="en-US" dirty="0"/>
-              <a:t>通过红外线探测器判断人员的进出情况，信息传至小程序端</a:t>
+              <a:t>通过红外线探测器判断人员的进出情况，信息传至服务端</a:t>
             </a:r>
           </a:p>
         </p:txBody>
@@ -8506,10 +11172,10 @@
       </p:sp>
       <p:pic>
         <p:nvPicPr>
-          <p:cNvPr id="4" name="图片 3">
-            <a:extLst>
-              <a:ext uri="{FF2B5EF4-FFF2-40B4-BE49-F238E27FC236}">
-                <a16:creationId xmlns:a16="http://schemas.microsoft.com/office/drawing/2014/main" id="{1353B326-904A-415F-99CB-CEF7ED41F267}"/>
+          <p:cNvPr id="5" name="图片 4">
+            <a:extLst>
+              <a:ext uri="{FF2B5EF4-FFF2-40B4-BE49-F238E27FC236}">
+                <a16:creationId xmlns:a16="http://schemas.microsoft.com/office/drawing/2014/main" id="{0D5E0234-3E84-4B8F-8396-BDCCB5FE2254}"/>
               </a:ext>
             </a:extLst>
           </p:cNvPr>
@@ -8532,8 +11198,8 @@
         </p:blipFill>
         <p:spPr>
           <a:xfrm>
-            <a:off x="156029" y="843599"/>
-            <a:ext cx="11756571" cy="6014401"/>
+            <a:off x="597354" y="892451"/>
+            <a:ext cx="10648950" cy="5965549"/>
           </a:xfrm>
           <a:prstGeom prst="rect">
             <a:avLst/>
@@ -8625,7 +11291,7 @@
           <p:nvPr>
             <p:extLst>
               <p:ext uri="{D42A27DB-BD31-4B8C-83A1-F6EECF244321}">
-                <p14:modId xmlns:p14="http://schemas.microsoft.com/office/powerpoint/2010/main" val="2981797007"/>
+                <p14:modId xmlns:p14="http://schemas.microsoft.com/office/powerpoint/2010/main" val="2328132030"/>
               </p:ext>
             </p:extLst>
           </p:nvPr>
@@ -8892,7 +11558,7 @@
                     <a:p>
                       <a:r>
                         <a:rPr lang="zh-CN" altLang="en-US" dirty="0"/>
-                        <a:t>点击可以预约座位（暂无指定位置预约功能）</a:t>
+                        <a:t>点击可以预约座位</a:t>
                       </a:r>
                     </a:p>
                   </a:txBody>
@@ -9124,8 +11790,8 @@
         </p:nvSpPr>
         <p:spPr>
           <a:xfrm>
-            <a:off x="841467" y="1251634"/>
-            <a:ext cx="8191500" cy="646331"/>
+            <a:off x="727167" y="1897965"/>
+            <a:ext cx="8191500" cy="1477328"/>
           </a:xfrm>
           <a:prstGeom prst="rect">
             <a:avLst/>
@@ -9139,10 +11805,14 @@
           <a:lstStyle/>
           <a:p>
             <a:r>
-              <a:rPr lang="zh-CN" altLang="en-US" dirty="0"/>
+              <a:rPr lang="zh-CN" altLang="en-US" sz="2400" b="1" dirty="0"/>
               <a:t>内部接口</a:t>
             </a:r>
-            <a:endParaRPr lang="en-US" altLang="zh-CN" dirty="0"/>
+            <a:r>
+              <a:rPr lang="zh-CN" altLang="en-US" sz="2400" dirty="0"/>
+              <a:t>：在数据库数据转移到前端中，进行数据转换。调用后读取数据库数据，数据库操作后将变更通知前端进行同步</a:t>
+            </a:r>
+            <a:endParaRPr lang="en-US" altLang="zh-CN" sz="2400" dirty="0"/>
           </a:p>
           <a:p>
             <a:endParaRPr lang="en-US" altLang="zh-CN" dirty="0"/>
@@ -9163,8 +11833,8 @@
         </p:nvSpPr>
         <p:spPr>
           <a:xfrm>
-            <a:off x="841467" y="4960035"/>
-            <a:ext cx="8191500" cy="923330"/>
+            <a:off x="727167" y="4909235"/>
+            <a:ext cx="8191500" cy="461665"/>
           </a:xfrm>
           <a:prstGeom prst="rect">
             <a:avLst/>
@@ -9178,28 +11848,22 @@
           <a:lstStyle/>
           <a:p>
             <a:r>
-              <a:rPr lang="zh-CN" altLang="en-US" dirty="0"/>
-              <a:t>外部接口</a:t>
-            </a:r>
-            <a:endParaRPr lang="en-US" altLang="zh-CN" dirty="0"/>
-          </a:p>
-          <a:p>
-            <a:r>
-              <a:rPr lang="en-US" altLang="zh-CN" dirty="0"/>
-              <a:t>  </a:t>
-            </a:r>
-            <a:r>
-              <a:rPr lang="zh-CN" altLang="en-US" dirty="0"/>
+              <a:rPr lang="zh-CN" altLang="en-US" sz="2400" b="1" dirty="0"/>
+              <a:t>外部接口：</a:t>
+            </a:r>
+            <a:r>
+              <a:rPr lang="en-US" altLang="zh-CN" sz="2400" dirty="0"/>
+              <a:t> </a:t>
+            </a:r>
+            <a:r>
+              <a:rPr lang="zh-CN" altLang="en-US" sz="2400" dirty="0"/>
               <a:t>微信官方接口：</a:t>
             </a:r>
             <a:r>
-              <a:rPr lang="en-US" altLang="zh-CN" dirty="0" err="1"/>
+              <a:rPr lang="en-US" altLang="zh-CN" sz="2400" dirty="0"/>
               <a:t>wx.request</a:t>
             </a:r>
-            <a:endParaRPr lang="en-US" altLang="zh-CN" dirty="0"/>
-          </a:p>
-          <a:p>
-            <a:endParaRPr lang="en-US" altLang="zh-CN" dirty="0"/>
+            <a:endParaRPr lang="en-US" altLang="zh-CN" sz="2400" b="1" dirty="0"/>
           </a:p>
         </p:txBody>
       </p:sp>
@@ -9462,8 +12126,8 @@
         </p:nvSpPr>
         <p:spPr>
           <a:xfrm>
-            <a:off x="4624435" y="4579965"/>
-            <a:ext cx="4184286" cy="1754326"/>
+            <a:off x="4329160" y="4579965"/>
+            <a:ext cx="5024390" cy="923330"/>
           </a:xfrm>
           <a:prstGeom prst="rect">
             <a:avLst/>
